--- a/Poster1.pptx
+++ b/Poster1.pptx
@@ -5,20 +5,21 @@
     <p:sldMasterId id="2147483648" r:id="rId1"/>
   </p:sldMasterIdLst>
   <p:notesMasterIdLst>
-    <p:notesMasterId r:id="rId4"/>
+    <p:notesMasterId r:id="rId5"/>
   </p:notesMasterIdLst>
   <p:sldIdLst>
     <p:sldId id="256" r:id="rId2"/>
     <p:sldId id="257" r:id="rId3"/>
+    <p:sldId id="258" r:id="rId4"/>
   </p:sldIdLst>
-  <p:sldSz cx="9144000" cy="6858000" type="screen4x3"/>
-  <p:notesSz cx="6858000" cy="9144000"/>
+  <p:sldSz cx="9906000" cy="6858000" type="A4"/>
+  <p:notesSz cx="9144000" cy="6858000"/>
   <p:defaultTextStyle>
     <a:defPPr>
       <a:defRPr lang="nl-NL"/>
     </a:defPPr>
-    <a:lvl1pPr marL="0" algn="l" defTabSz="914400" rtl="0" eaLnBrk="1" latinLnBrk="0" hangingPunct="1">
-      <a:defRPr sz="1800" kern="1200">
+    <a:lvl1pPr marL="0" algn="l" defTabSz="1033455" rtl="0" eaLnBrk="1" latinLnBrk="0" hangingPunct="1">
+      <a:defRPr sz="2000" kern="1200">
         <a:solidFill>
           <a:schemeClr val="tx1"/>
         </a:solidFill>
@@ -27,8 +28,8 @@
         <a:cs typeface="+mn-cs"/>
       </a:defRPr>
     </a:lvl1pPr>
-    <a:lvl2pPr marL="457200" algn="l" defTabSz="914400" rtl="0" eaLnBrk="1" latinLnBrk="0" hangingPunct="1">
-      <a:defRPr sz="1800" kern="1200">
+    <a:lvl2pPr marL="516727" algn="l" defTabSz="1033455" rtl="0" eaLnBrk="1" latinLnBrk="0" hangingPunct="1">
+      <a:defRPr sz="2000" kern="1200">
         <a:solidFill>
           <a:schemeClr val="tx1"/>
         </a:solidFill>
@@ -37,8 +38,8 @@
         <a:cs typeface="+mn-cs"/>
       </a:defRPr>
     </a:lvl2pPr>
-    <a:lvl3pPr marL="914400" algn="l" defTabSz="914400" rtl="0" eaLnBrk="1" latinLnBrk="0" hangingPunct="1">
-      <a:defRPr sz="1800" kern="1200">
+    <a:lvl3pPr marL="1033455" algn="l" defTabSz="1033455" rtl="0" eaLnBrk="1" latinLnBrk="0" hangingPunct="1">
+      <a:defRPr sz="2000" kern="1200">
         <a:solidFill>
           <a:schemeClr val="tx1"/>
         </a:solidFill>
@@ -47,8 +48,8 @@
         <a:cs typeface="+mn-cs"/>
       </a:defRPr>
     </a:lvl3pPr>
-    <a:lvl4pPr marL="1371600" algn="l" defTabSz="914400" rtl="0" eaLnBrk="1" latinLnBrk="0" hangingPunct="1">
-      <a:defRPr sz="1800" kern="1200">
+    <a:lvl4pPr marL="1550182" algn="l" defTabSz="1033455" rtl="0" eaLnBrk="1" latinLnBrk="0" hangingPunct="1">
+      <a:defRPr sz="2000" kern="1200">
         <a:solidFill>
           <a:schemeClr val="tx1"/>
         </a:solidFill>
@@ -57,8 +58,8 @@
         <a:cs typeface="+mn-cs"/>
       </a:defRPr>
     </a:lvl4pPr>
-    <a:lvl5pPr marL="1828800" algn="l" defTabSz="914400" rtl="0" eaLnBrk="1" latinLnBrk="0" hangingPunct="1">
-      <a:defRPr sz="1800" kern="1200">
+    <a:lvl5pPr marL="2066910" algn="l" defTabSz="1033455" rtl="0" eaLnBrk="1" latinLnBrk="0" hangingPunct="1">
+      <a:defRPr sz="2000" kern="1200">
         <a:solidFill>
           <a:schemeClr val="tx1"/>
         </a:solidFill>
@@ -67,8 +68,8 @@
         <a:cs typeface="+mn-cs"/>
       </a:defRPr>
     </a:lvl5pPr>
-    <a:lvl6pPr marL="2286000" algn="l" defTabSz="914400" rtl="0" eaLnBrk="1" latinLnBrk="0" hangingPunct="1">
-      <a:defRPr sz="1800" kern="1200">
+    <a:lvl6pPr marL="2583637" algn="l" defTabSz="1033455" rtl="0" eaLnBrk="1" latinLnBrk="0" hangingPunct="1">
+      <a:defRPr sz="2000" kern="1200">
         <a:solidFill>
           <a:schemeClr val="tx1"/>
         </a:solidFill>
@@ -77,8 +78,8 @@
         <a:cs typeface="+mn-cs"/>
       </a:defRPr>
     </a:lvl6pPr>
-    <a:lvl7pPr marL="2743200" algn="l" defTabSz="914400" rtl="0" eaLnBrk="1" latinLnBrk="0" hangingPunct="1">
-      <a:defRPr sz="1800" kern="1200">
+    <a:lvl7pPr marL="3100365" algn="l" defTabSz="1033455" rtl="0" eaLnBrk="1" latinLnBrk="0" hangingPunct="1">
+      <a:defRPr sz="2000" kern="1200">
         <a:solidFill>
           <a:schemeClr val="tx1"/>
         </a:solidFill>
@@ -87,8 +88,8 @@
         <a:cs typeface="+mn-cs"/>
       </a:defRPr>
     </a:lvl7pPr>
-    <a:lvl8pPr marL="3200400" algn="l" defTabSz="914400" rtl="0" eaLnBrk="1" latinLnBrk="0" hangingPunct="1">
-      <a:defRPr sz="1800" kern="1200">
+    <a:lvl8pPr marL="3617092" algn="l" defTabSz="1033455" rtl="0" eaLnBrk="1" latinLnBrk="0" hangingPunct="1">
+      <a:defRPr sz="2000" kern="1200">
         <a:solidFill>
           <a:schemeClr val="tx1"/>
         </a:solidFill>
@@ -97,8 +98,8 @@
         <a:cs typeface="+mn-cs"/>
       </a:defRPr>
     </a:lvl8pPr>
-    <a:lvl9pPr marL="3657600" algn="l" defTabSz="914400" rtl="0" eaLnBrk="1" latinLnBrk="0" hangingPunct="1">
-      <a:defRPr sz="1800" kern="1200">
+    <a:lvl9pPr marL="4133820" algn="l" defTabSz="1033455" rtl="0" eaLnBrk="1" latinLnBrk="0" hangingPunct="1">
+      <a:defRPr sz="2000" kern="1200">
         <a:solidFill>
           <a:schemeClr val="tx1"/>
         </a:solidFill>
@@ -146,7 +147,7 @@
         <p:spPr>
           <a:xfrm>
             <a:off x="0" y="0"/>
-            <a:ext cx="2971800" cy="457200"/>
+            <a:ext cx="3962400" cy="342900"/>
           </a:xfrm>
           <a:prstGeom prst="rect">
             <a:avLst/>
@@ -176,8 +177,8 @@
         </p:nvSpPr>
         <p:spPr>
           <a:xfrm>
-            <a:off x="3884613" y="0"/>
-            <a:ext cx="2971800" cy="457200"/>
+            <a:off x="5179484" y="0"/>
+            <a:ext cx="3962400" cy="342900"/>
           </a:xfrm>
           <a:prstGeom prst="rect">
             <a:avLst/>
@@ -193,7 +194,7 @@
           <a:p>
             <a:fld id="{2C7CD892-0EDA-45FA-8186-D881E1036086}" type="datetimeFigureOut">
               <a:rPr lang="nl-NL" smtClean="0"/>
-              <a:t>16-12-2015</a:t>
+              <a:t>17-12-2015</a:t>
             </a:fld>
             <a:endParaRPr lang="nl-NL"/>
           </a:p>
@@ -211,8 +212,8 @@
         </p:nvSpPr>
         <p:spPr>
           <a:xfrm>
-            <a:off x="1143000" y="685800"/>
-            <a:ext cx="4572000" cy="3429000"/>
+            <a:off x="2714625" y="514350"/>
+            <a:ext cx="3714750" cy="2571750"/>
           </a:xfrm>
           <a:prstGeom prst="rect">
             <a:avLst/>
@@ -244,8 +245,8 @@
         </p:nvSpPr>
         <p:spPr>
           <a:xfrm>
-            <a:off x="685800" y="4343400"/>
-            <a:ext cx="5486400" cy="4114800"/>
+            <a:off x="914400" y="3257550"/>
+            <a:ext cx="7315200" cy="3086100"/>
           </a:xfrm>
           <a:prstGeom prst="rect">
             <a:avLst/>
@@ -304,8 +305,8 @@
         </p:nvSpPr>
         <p:spPr>
           <a:xfrm>
-            <a:off x="0" y="8685213"/>
-            <a:ext cx="2971800" cy="457200"/>
+            <a:off x="0" y="6513910"/>
+            <a:ext cx="3962400" cy="342900"/>
           </a:xfrm>
           <a:prstGeom prst="rect">
             <a:avLst/>
@@ -335,8 +336,8 @@
         </p:nvSpPr>
         <p:spPr>
           <a:xfrm>
-            <a:off x="3884613" y="8685213"/>
-            <a:ext cx="2971800" cy="457200"/>
+            <a:off x="5179484" y="6513910"/>
+            <a:ext cx="3962400" cy="342900"/>
           </a:xfrm>
           <a:prstGeom prst="rect">
             <a:avLst/>
@@ -367,8 +368,8 @@
   </p:cSld>
   <p:clrMap bg1="lt1" tx1="dk1" bg2="lt2" tx2="dk2" accent1="accent1" accent2="accent2" accent3="accent3" accent4="accent4" accent5="accent5" accent6="accent6" hlink="hlink" folHlink="folHlink"/>
   <p:notesStyle>
-    <a:lvl1pPr marL="0" algn="l" defTabSz="914400" rtl="0" eaLnBrk="1" latinLnBrk="0" hangingPunct="1">
-      <a:defRPr sz="1200" kern="1200">
+    <a:lvl1pPr marL="0" algn="l" defTabSz="1033455" rtl="0" eaLnBrk="1" latinLnBrk="0" hangingPunct="1">
+      <a:defRPr sz="1400" kern="1200">
         <a:solidFill>
           <a:schemeClr val="tx1"/>
         </a:solidFill>
@@ -377,8 +378,8 @@
         <a:cs typeface="+mn-cs"/>
       </a:defRPr>
     </a:lvl1pPr>
-    <a:lvl2pPr marL="457200" algn="l" defTabSz="914400" rtl="0" eaLnBrk="1" latinLnBrk="0" hangingPunct="1">
-      <a:defRPr sz="1200" kern="1200">
+    <a:lvl2pPr marL="516727" algn="l" defTabSz="1033455" rtl="0" eaLnBrk="1" latinLnBrk="0" hangingPunct="1">
+      <a:defRPr sz="1400" kern="1200">
         <a:solidFill>
           <a:schemeClr val="tx1"/>
         </a:solidFill>
@@ -387,8 +388,8 @@
         <a:cs typeface="+mn-cs"/>
       </a:defRPr>
     </a:lvl2pPr>
-    <a:lvl3pPr marL="914400" algn="l" defTabSz="914400" rtl="0" eaLnBrk="1" latinLnBrk="0" hangingPunct="1">
-      <a:defRPr sz="1200" kern="1200">
+    <a:lvl3pPr marL="1033455" algn="l" defTabSz="1033455" rtl="0" eaLnBrk="1" latinLnBrk="0" hangingPunct="1">
+      <a:defRPr sz="1400" kern="1200">
         <a:solidFill>
           <a:schemeClr val="tx1"/>
         </a:solidFill>
@@ -397,8 +398,8 @@
         <a:cs typeface="+mn-cs"/>
       </a:defRPr>
     </a:lvl3pPr>
-    <a:lvl4pPr marL="1371600" algn="l" defTabSz="914400" rtl="0" eaLnBrk="1" latinLnBrk="0" hangingPunct="1">
-      <a:defRPr sz="1200" kern="1200">
+    <a:lvl4pPr marL="1550182" algn="l" defTabSz="1033455" rtl="0" eaLnBrk="1" latinLnBrk="0" hangingPunct="1">
+      <a:defRPr sz="1400" kern="1200">
         <a:solidFill>
           <a:schemeClr val="tx1"/>
         </a:solidFill>
@@ -407,8 +408,8 @@
         <a:cs typeface="+mn-cs"/>
       </a:defRPr>
     </a:lvl4pPr>
-    <a:lvl5pPr marL="1828800" algn="l" defTabSz="914400" rtl="0" eaLnBrk="1" latinLnBrk="0" hangingPunct="1">
-      <a:defRPr sz="1200" kern="1200">
+    <a:lvl5pPr marL="2066910" algn="l" defTabSz="1033455" rtl="0" eaLnBrk="1" latinLnBrk="0" hangingPunct="1">
+      <a:defRPr sz="1400" kern="1200">
         <a:solidFill>
           <a:schemeClr val="tx1"/>
         </a:solidFill>
@@ -417,8 +418,8 @@
         <a:cs typeface="+mn-cs"/>
       </a:defRPr>
     </a:lvl5pPr>
-    <a:lvl6pPr marL="2286000" algn="l" defTabSz="914400" rtl="0" eaLnBrk="1" latinLnBrk="0" hangingPunct="1">
-      <a:defRPr sz="1200" kern="1200">
+    <a:lvl6pPr marL="2583637" algn="l" defTabSz="1033455" rtl="0" eaLnBrk="1" latinLnBrk="0" hangingPunct="1">
+      <a:defRPr sz="1400" kern="1200">
         <a:solidFill>
           <a:schemeClr val="tx1"/>
         </a:solidFill>
@@ -427,8 +428,8 @@
         <a:cs typeface="+mn-cs"/>
       </a:defRPr>
     </a:lvl6pPr>
-    <a:lvl7pPr marL="2743200" algn="l" defTabSz="914400" rtl="0" eaLnBrk="1" latinLnBrk="0" hangingPunct="1">
-      <a:defRPr sz="1200" kern="1200">
+    <a:lvl7pPr marL="3100365" algn="l" defTabSz="1033455" rtl="0" eaLnBrk="1" latinLnBrk="0" hangingPunct="1">
+      <a:defRPr sz="1400" kern="1200">
         <a:solidFill>
           <a:schemeClr val="tx1"/>
         </a:solidFill>
@@ -437,8 +438,8 @@
         <a:cs typeface="+mn-cs"/>
       </a:defRPr>
     </a:lvl7pPr>
-    <a:lvl8pPr marL="3200400" algn="l" defTabSz="914400" rtl="0" eaLnBrk="1" latinLnBrk="0" hangingPunct="1">
-      <a:defRPr sz="1200" kern="1200">
+    <a:lvl8pPr marL="3617092" algn="l" defTabSz="1033455" rtl="0" eaLnBrk="1" latinLnBrk="0" hangingPunct="1">
+      <a:defRPr sz="1400" kern="1200">
         <a:solidFill>
           <a:schemeClr val="tx1"/>
         </a:solidFill>
@@ -447,8 +448,8 @@
         <a:cs typeface="+mn-cs"/>
       </a:defRPr>
     </a:lvl8pPr>
-    <a:lvl9pPr marL="3657600" algn="l" defTabSz="914400" rtl="0" eaLnBrk="1" latinLnBrk="0" hangingPunct="1">
-      <a:defRPr sz="1200" kern="1200">
+    <a:lvl9pPr marL="4133820" algn="l" defTabSz="1033455" rtl="0" eaLnBrk="1" latinLnBrk="0" hangingPunct="1">
+      <a:defRPr sz="1400" kern="1200">
         <a:solidFill>
           <a:schemeClr val="tx1"/>
         </a:solidFill>
@@ -488,7 +489,101 @@
             <p:ph type="sldImg"/>
           </p:nvPr>
         </p:nvSpPr>
+        <p:spPr>
+          <a:xfrm>
+            <a:off x="2714625" y="514350"/>
+            <a:ext cx="3714750" cy="2571750"/>
+          </a:xfrm>
+        </p:spPr>
+      </p:sp>
+      <p:sp>
+        <p:nvSpPr>
+          <p:cNvPr id="3" name="Tijdelijke aanduiding voor notities 2"/>
+          <p:cNvSpPr>
+            <a:spLocks noGrp="1"/>
+          </p:cNvSpPr>
+          <p:nvPr>
+            <p:ph type="body" idx="1"/>
+          </p:nvPr>
+        </p:nvSpPr>
         <p:spPr/>
+        <p:txBody>
+          <a:bodyPr/>
+          <a:lstStyle/>
+          <a:p>
+            <a:endParaRPr lang="nl-NL" dirty="0"/>
+          </a:p>
+        </p:txBody>
+      </p:sp>
+      <p:sp>
+        <p:nvSpPr>
+          <p:cNvPr id="4" name="Tijdelijke aanduiding voor dianummer 3"/>
+          <p:cNvSpPr>
+            <a:spLocks noGrp="1"/>
+          </p:cNvSpPr>
+          <p:nvPr>
+            <p:ph type="sldNum" sz="quarter" idx="10"/>
+          </p:nvPr>
+        </p:nvSpPr>
+        <p:spPr/>
+        <p:txBody>
+          <a:bodyPr/>
+          <a:lstStyle/>
+          <a:p>
+            <a:fld id="{6D49DA66-E541-4EFD-9DEB-09AABE473E57}" type="slidenum">
+              <a:rPr lang="nl-NL" smtClean="0"/>
+              <a:t>1</a:t>
+            </a:fld>
+            <a:endParaRPr lang="nl-NL"/>
+          </a:p>
+        </p:txBody>
+      </p:sp>
+    </p:spTree>
+    <p:extLst>
+      <p:ext uri="{BB962C8B-B14F-4D97-AF65-F5344CB8AC3E}">
+        <p14:creationId xmlns:p14="http://schemas.microsoft.com/office/powerpoint/2010/main" val="3868179667"/>
+      </p:ext>
+    </p:extLst>
+  </p:cSld>
+  <p:clrMapOvr>
+    <a:masterClrMapping/>
+  </p:clrMapOvr>
+</p:notes>
+</file>
+
+<file path=ppt/notesSlides/notesSlide2.xml><?xml version="1.0" encoding="utf-8"?>
+<p:notes xmlns:a="http://schemas.openxmlformats.org/drawingml/2006/main" xmlns:r="http://schemas.openxmlformats.org/officeDocument/2006/relationships" xmlns:p="http://schemas.openxmlformats.org/presentationml/2006/main">
+  <p:cSld>
+    <p:spTree>
+      <p:nvGrpSpPr>
+        <p:cNvPr id="1" name=""/>
+        <p:cNvGrpSpPr/>
+        <p:nvPr/>
+      </p:nvGrpSpPr>
+      <p:grpSpPr>
+        <a:xfrm>
+          <a:off x="0" y="0"/>
+          <a:ext cx="0" cy="0"/>
+          <a:chOff x="0" y="0"/>
+          <a:chExt cx="0" cy="0"/>
+        </a:xfrm>
+      </p:grpSpPr>
+      <p:sp>
+        <p:nvSpPr>
+          <p:cNvPr id="2" name="Tijdelijke aanduiding voor dia-afbeelding 1"/>
+          <p:cNvSpPr>
+            <a:spLocks noGrp="1" noRot="1" noChangeAspect="1"/>
+          </p:cNvSpPr>
+          <p:nvPr>
+            <p:ph type="sldImg"/>
+          </p:nvPr>
+        </p:nvSpPr>
+        <p:spPr>
+          <a:xfrm>
+            <a:off x="2714625" y="514350"/>
+            <a:ext cx="3714750" cy="2571750"/>
+          </a:xfrm>
+        </p:spPr>
       </p:sp>
       <p:sp>
         <p:nvSpPr>
@@ -526,7 +621,7 @@
           <a:p>
             <a:fld id="{6D49DA66-E541-4EFD-9DEB-09AABE473E57}" type="slidenum">
               <a:rPr lang="nl-NL" smtClean="0"/>
-              <a:t>1</a:t>
+              <a:t>3</a:t>
             </a:fld>
             <a:endParaRPr lang="nl-NL"/>
           </a:p>
@@ -574,8 +669,8 @@
         </p:nvSpPr>
         <p:spPr>
           <a:xfrm>
-            <a:off x="685800" y="2130425"/>
-            <a:ext cx="7772400" cy="1470025"/>
+            <a:off x="742950" y="2130428"/>
+            <a:ext cx="8420101" cy="1470024"/>
           </a:xfrm>
         </p:spPr>
         <p:txBody>
@@ -602,8 +697,8 @@
         </p:nvSpPr>
         <p:spPr>
           <a:xfrm>
-            <a:off x="1371600" y="3886200"/>
-            <a:ext cx="6400800" cy="1752600"/>
+            <a:off x="1485901" y="3886200"/>
+            <a:ext cx="6934200" cy="1752600"/>
           </a:xfrm>
         </p:spPr>
         <p:txBody>
@@ -619,7 +714,7 @@
                 </a:solidFill>
               </a:defRPr>
             </a:lvl1pPr>
-            <a:lvl2pPr marL="457200" indent="0" algn="ctr">
+            <a:lvl2pPr marL="516727" indent="0" algn="ctr">
               <a:buNone/>
               <a:defRPr>
                 <a:solidFill>
@@ -629,7 +724,7 @@
                 </a:solidFill>
               </a:defRPr>
             </a:lvl2pPr>
-            <a:lvl3pPr marL="914400" indent="0" algn="ctr">
+            <a:lvl3pPr marL="1033455" indent="0" algn="ctr">
               <a:buNone/>
               <a:defRPr>
                 <a:solidFill>
@@ -639,7 +734,7 @@
                 </a:solidFill>
               </a:defRPr>
             </a:lvl3pPr>
-            <a:lvl4pPr marL="1371600" indent="0" algn="ctr">
+            <a:lvl4pPr marL="1550182" indent="0" algn="ctr">
               <a:buNone/>
               <a:defRPr>
                 <a:solidFill>
@@ -649,7 +744,7 @@
                 </a:solidFill>
               </a:defRPr>
             </a:lvl4pPr>
-            <a:lvl5pPr marL="1828800" indent="0" algn="ctr">
+            <a:lvl5pPr marL="2066910" indent="0" algn="ctr">
               <a:buNone/>
               <a:defRPr>
                 <a:solidFill>
@@ -659,7 +754,7 @@
                 </a:solidFill>
               </a:defRPr>
             </a:lvl5pPr>
-            <a:lvl6pPr marL="2286000" indent="0" algn="ctr">
+            <a:lvl6pPr marL="2583637" indent="0" algn="ctr">
               <a:buNone/>
               <a:defRPr>
                 <a:solidFill>
@@ -669,7 +764,7 @@
                 </a:solidFill>
               </a:defRPr>
             </a:lvl6pPr>
-            <a:lvl7pPr marL="2743200" indent="0" algn="ctr">
+            <a:lvl7pPr marL="3100365" indent="0" algn="ctr">
               <a:buNone/>
               <a:defRPr>
                 <a:solidFill>
@@ -679,7 +774,7 @@
                 </a:solidFill>
               </a:defRPr>
             </a:lvl7pPr>
-            <a:lvl8pPr marL="3200400" indent="0" algn="ctr">
+            <a:lvl8pPr marL="3617092" indent="0" algn="ctr">
               <a:buNone/>
               <a:defRPr>
                 <a:solidFill>
@@ -689,7 +784,7 @@
                 </a:solidFill>
               </a:defRPr>
             </a:lvl8pPr>
-            <a:lvl9pPr marL="3657600" indent="0" algn="ctr">
+            <a:lvl9pPr marL="4133820" indent="0" algn="ctr">
               <a:buNone/>
               <a:defRPr>
                 <a:solidFill>
@@ -726,7 +821,7 @@
           <a:p>
             <a:fld id="{EB39AE57-BE72-48E4-852F-810AED62C592}" type="datetimeFigureOut">
               <a:rPr lang="nl-NL" smtClean="0"/>
-              <a:t>16-12-2015</a:t>
+              <a:t>17-12-2015</a:t>
             </a:fld>
             <a:endParaRPr lang="nl-NL"/>
           </a:p>
@@ -896,7 +991,7 @@
           <a:p>
             <a:fld id="{EB39AE57-BE72-48E4-852F-810AED62C592}" type="datetimeFigureOut">
               <a:rPr lang="nl-NL" smtClean="0"/>
-              <a:t>16-12-2015</a:t>
+              <a:t>17-12-2015</a:t>
             </a:fld>
             <a:endParaRPr lang="nl-NL"/>
           </a:p>
@@ -986,8 +1081,8 @@
         </p:nvSpPr>
         <p:spPr>
           <a:xfrm>
-            <a:off x="6629400" y="274638"/>
-            <a:ext cx="2057400" cy="5851525"/>
+            <a:off x="7181850" y="274640"/>
+            <a:ext cx="2228850" cy="5851524"/>
           </a:xfrm>
         </p:spPr>
         <p:txBody>
@@ -1014,8 +1109,8 @@
         </p:nvSpPr>
         <p:spPr>
           <a:xfrm>
-            <a:off x="457200" y="274638"/>
-            <a:ext cx="6019800" cy="5851525"/>
+            <a:off x="495300" y="274640"/>
+            <a:ext cx="6521450" cy="5851524"/>
           </a:xfrm>
         </p:spPr>
         <p:txBody>
@@ -1076,7 +1171,7 @@
           <a:p>
             <a:fld id="{EB39AE57-BE72-48E4-852F-810AED62C592}" type="datetimeFigureOut">
               <a:rPr lang="nl-NL" smtClean="0"/>
-              <a:t>16-12-2015</a:t>
+              <a:t>17-12-2015</a:t>
             </a:fld>
             <a:endParaRPr lang="nl-NL"/>
           </a:p>
@@ -1246,7 +1341,7 @@
           <a:p>
             <a:fld id="{EB39AE57-BE72-48E4-852F-810AED62C592}" type="datetimeFigureOut">
               <a:rPr lang="nl-NL" smtClean="0"/>
-              <a:t>16-12-2015</a:t>
+              <a:t>17-12-2015</a:t>
             </a:fld>
             <a:endParaRPr lang="nl-NL"/>
           </a:p>
@@ -1336,15 +1431,15 @@
         </p:nvSpPr>
         <p:spPr>
           <a:xfrm>
-            <a:off x="722313" y="4406900"/>
-            <a:ext cx="7772400" cy="1362075"/>
+            <a:off x="782505" y="4406900"/>
+            <a:ext cx="8420101" cy="1362075"/>
           </a:xfrm>
         </p:spPr>
         <p:txBody>
           <a:bodyPr anchor="t"/>
           <a:lstStyle>
             <a:lvl1pPr algn="l">
-              <a:defRPr sz="4000" b="1" cap="all"/>
+              <a:defRPr sz="4500" b="1" cap="all"/>
             </a:lvl1pPr>
           </a:lstStyle>
           <a:p>
@@ -1368,14 +1463,24 @@
         </p:nvSpPr>
         <p:spPr>
           <a:xfrm>
-            <a:off x="722313" y="2906713"/>
-            <a:ext cx="7772400" cy="1500187"/>
+            <a:off x="782505" y="2906714"/>
+            <a:ext cx="8420101" cy="1500187"/>
           </a:xfrm>
         </p:spPr>
         <p:txBody>
           <a:bodyPr anchor="b"/>
           <a:lstStyle>
             <a:lvl1pPr marL="0" indent="0">
+              <a:buNone/>
+              <a:defRPr sz="2300">
+                <a:solidFill>
+                  <a:schemeClr val="tx1">
+                    <a:tint val="75000"/>
+                  </a:schemeClr>
+                </a:solidFill>
+              </a:defRPr>
+            </a:lvl1pPr>
+            <a:lvl2pPr marL="516727" indent="0">
               <a:buNone/>
               <a:defRPr sz="2000">
                 <a:solidFill>
@@ -1384,8 +1489,8 @@
                   </a:schemeClr>
                 </a:solidFill>
               </a:defRPr>
-            </a:lvl1pPr>
-            <a:lvl2pPr marL="457200" indent="0">
+            </a:lvl2pPr>
+            <a:lvl3pPr marL="1033455" indent="0">
               <a:buNone/>
               <a:defRPr sz="1800">
                 <a:solidFill>
@@ -1394,8 +1499,8 @@
                   </a:schemeClr>
                 </a:solidFill>
               </a:defRPr>
-            </a:lvl2pPr>
-            <a:lvl3pPr marL="914400" indent="0">
+            </a:lvl3pPr>
+            <a:lvl4pPr marL="1550182" indent="0">
               <a:buNone/>
               <a:defRPr sz="1600">
                 <a:solidFill>
@@ -1404,20 +1509,10 @@
                   </a:schemeClr>
                 </a:solidFill>
               </a:defRPr>
-            </a:lvl3pPr>
-            <a:lvl4pPr marL="1371600" indent="0">
-              <a:buNone/>
-              <a:defRPr sz="1400">
-                <a:solidFill>
-                  <a:schemeClr val="tx1">
-                    <a:tint val="75000"/>
-                  </a:schemeClr>
-                </a:solidFill>
-              </a:defRPr>
             </a:lvl4pPr>
-            <a:lvl5pPr marL="1828800" indent="0">
-              <a:buNone/>
-              <a:defRPr sz="1400">
+            <a:lvl5pPr marL="2066910" indent="0">
+              <a:buNone/>
+              <a:defRPr sz="1600">
                 <a:solidFill>
                   <a:schemeClr val="tx1">
                     <a:tint val="75000"/>
@@ -1425,9 +1520,9 @@
                 </a:solidFill>
               </a:defRPr>
             </a:lvl5pPr>
-            <a:lvl6pPr marL="2286000" indent="0">
-              <a:buNone/>
-              <a:defRPr sz="1400">
+            <a:lvl6pPr marL="2583637" indent="0">
+              <a:buNone/>
+              <a:defRPr sz="1600">
                 <a:solidFill>
                   <a:schemeClr val="tx1">
                     <a:tint val="75000"/>
@@ -1435,9 +1530,9 @@
                 </a:solidFill>
               </a:defRPr>
             </a:lvl6pPr>
-            <a:lvl7pPr marL="2743200" indent="0">
-              <a:buNone/>
-              <a:defRPr sz="1400">
+            <a:lvl7pPr marL="3100365" indent="0">
+              <a:buNone/>
+              <a:defRPr sz="1600">
                 <a:solidFill>
                   <a:schemeClr val="tx1">
                     <a:tint val="75000"/>
@@ -1445,9 +1540,9 @@
                 </a:solidFill>
               </a:defRPr>
             </a:lvl7pPr>
-            <a:lvl8pPr marL="3200400" indent="0">
-              <a:buNone/>
-              <a:defRPr sz="1400">
+            <a:lvl8pPr marL="3617092" indent="0">
+              <a:buNone/>
+              <a:defRPr sz="1600">
                 <a:solidFill>
                   <a:schemeClr val="tx1">
                     <a:tint val="75000"/>
@@ -1455,9 +1550,9 @@
                 </a:solidFill>
               </a:defRPr>
             </a:lvl8pPr>
-            <a:lvl9pPr marL="3657600" indent="0">
-              <a:buNone/>
-              <a:defRPr sz="1400">
+            <a:lvl9pPr marL="4133820" indent="0">
+              <a:buNone/>
+              <a:defRPr sz="1600">
                 <a:solidFill>
                   <a:schemeClr val="tx1">
                     <a:tint val="75000"/>
@@ -1492,7 +1587,7 @@
           <a:p>
             <a:fld id="{EB39AE57-BE72-48E4-852F-810AED62C592}" type="datetimeFigureOut">
               <a:rPr lang="nl-NL" smtClean="0"/>
-              <a:t>16-12-2015</a:t>
+              <a:t>17-12-2015</a:t>
             </a:fld>
             <a:endParaRPr lang="nl-NL"/>
           </a:p>
@@ -1605,39 +1700,39 @@
         </p:nvSpPr>
         <p:spPr>
           <a:xfrm>
-            <a:off x="457200" y="1600200"/>
-            <a:ext cx="4038600" cy="4525963"/>
+            <a:off x="495300" y="1600201"/>
+            <a:ext cx="4375150" cy="4525963"/>
           </a:xfrm>
         </p:spPr>
         <p:txBody>
           <a:bodyPr/>
           <a:lstStyle>
             <a:lvl1pPr>
-              <a:defRPr sz="2800"/>
+              <a:defRPr sz="3200"/>
             </a:lvl1pPr>
             <a:lvl2pPr>
-              <a:defRPr sz="2400"/>
+              <a:defRPr sz="2700"/>
             </a:lvl2pPr>
             <a:lvl3pPr>
-              <a:defRPr sz="2000"/>
+              <a:defRPr sz="2300"/>
             </a:lvl3pPr>
             <a:lvl4pPr>
-              <a:defRPr sz="1800"/>
+              <a:defRPr sz="2000"/>
             </a:lvl4pPr>
             <a:lvl5pPr>
-              <a:defRPr sz="1800"/>
+              <a:defRPr sz="2000"/>
             </a:lvl5pPr>
             <a:lvl6pPr>
-              <a:defRPr sz="1800"/>
+              <a:defRPr sz="2000"/>
             </a:lvl6pPr>
             <a:lvl7pPr>
-              <a:defRPr sz="1800"/>
+              <a:defRPr sz="2000"/>
             </a:lvl7pPr>
             <a:lvl8pPr>
-              <a:defRPr sz="1800"/>
+              <a:defRPr sz="2000"/>
             </a:lvl8pPr>
             <a:lvl9pPr>
-              <a:defRPr sz="1800"/>
+              <a:defRPr sz="2000"/>
             </a:lvl9pPr>
           </a:lstStyle>
           <a:p>
@@ -1690,39 +1785,39 @@
         </p:nvSpPr>
         <p:spPr>
           <a:xfrm>
-            <a:off x="4648200" y="1600200"/>
-            <a:ext cx="4038600" cy="4525963"/>
+            <a:off x="5035551" y="1600201"/>
+            <a:ext cx="4375150" cy="4525963"/>
           </a:xfrm>
         </p:spPr>
         <p:txBody>
           <a:bodyPr/>
           <a:lstStyle>
             <a:lvl1pPr>
-              <a:defRPr sz="2800"/>
+              <a:defRPr sz="3200"/>
             </a:lvl1pPr>
             <a:lvl2pPr>
-              <a:defRPr sz="2400"/>
+              <a:defRPr sz="2700"/>
             </a:lvl2pPr>
             <a:lvl3pPr>
-              <a:defRPr sz="2000"/>
+              <a:defRPr sz="2300"/>
             </a:lvl3pPr>
             <a:lvl4pPr>
-              <a:defRPr sz="1800"/>
+              <a:defRPr sz="2000"/>
             </a:lvl4pPr>
             <a:lvl5pPr>
-              <a:defRPr sz="1800"/>
+              <a:defRPr sz="2000"/>
             </a:lvl5pPr>
             <a:lvl6pPr>
-              <a:defRPr sz="1800"/>
+              <a:defRPr sz="2000"/>
             </a:lvl6pPr>
             <a:lvl7pPr>
-              <a:defRPr sz="1800"/>
+              <a:defRPr sz="2000"/>
             </a:lvl7pPr>
             <a:lvl8pPr>
-              <a:defRPr sz="1800"/>
+              <a:defRPr sz="2000"/>
             </a:lvl8pPr>
             <a:lvl9pPr>
-              <a:defRPr sz="1800"/>
+              <a:defRPr sz="2000"/>
             </a:lvl9pPr>
           </a:lstStyle>
           <a:p>
@@ -1780,7 +1875,7 @@
           <a:p>
             <a:fld id="{EB39AE57-BE72-48E4-852F-810AED62C592}" type="datetimeFigureOut">
               <a:rPr lang="nl-NL" smtClean="0"/>
-              <a:t>16-12-2015</a:t>
+              <a:t>17-12-2015</a:t>
             </a:fld>
             <a:endParaRPr lang="nl-NL"/>
           </a:p>
@@ -1897,8 +1992,8 @@
         </p:nvSpPr>
         <p:spPr>
           <a:xfrm>
-            <a:off x="457200" y="1535113"/>
-            <a:ext cx="4040188" cy="639762"/>
+            <a:off x="495302" y="1535114"/>
+            <a:ext cx="4376870" cy="639762"/>
           </a:xfrm>
         </p:spPr>
         <p:txBody>
@@ -1906,39 +2001,39 @@
           <a:lstStyle>
             <a:lvl1pPr marL="0" indent="0">
               <a:buNone/>
-              <a:defRPr sz="2400" b="1"/>
+              <a:defRPr sz="2700" b="1"/>
             </a:lvl1pPr>
-            <a:lvl2pPr marL="457200" indent="0">
+            <a:lvl2pPr marL="516727" indent="0">
+              <a:buNone/>
+              <a:defRPr sz="2300" b="1"/>
+            </a:lvl2pPr>
+            <a:lvl3pPr marL="1033455" indent="0">
               <a:buNone/>
               <a:defRPr sz="2000" b="1"/>
-            </a:lvl2pPr>
-            <a:lvl3pPr marL="914400" indent="0">
+            </a:lvl3pPr>
+            <a:lvl4pPr marL="1550182" indent="0">
               <a:buNone/>
               <a:defRPr sz="1800" b="1"/>
-            </a:lvl3pPr>
-            <a:lvl4pPr marL="1371600" indent="0">
-              <a:buNone/>
-              <a:defRPr sz="1600" b="1"/>
             </a:lvl4pPr>
-            <a:lvl5pPr marL="1828800" indent="0">
-              <a:buNone/>
-              <a:defRPr sz="1600" b="1"/>
+            <a:lvl5pPr marL="2066910" indent="0">
+              <a:buNone/>
+              <a:defRPr sz="1800" b="1"/>
             </a:lvl5pPr>
-            <a:lvl6pPr marL="2286000" indent="0">
-              <a:buNone/>
-              <a:defRPr sz="1600" b="1"/>
+            <a:lvl6pPr marL="2583637" indent="0">
+              <a:buNone/>
+              <a:defRPr sz="1800" b="1"/>
             </a:lvl6pPr>
-            <a:lvl7pPr marL="2743200" indent="0">
-              <a:buNone/>
-              <a:defRPr sz="1600" b="1"/>
+            <a:lvl7pPr marL="3100365" indent="0">
+              <a:buNone/>
+              <a:defRPr sz="1800" b="1"/>
             </a:lvl7pPr>
-            <a:lvl8pPr marL="3200400" indent="0">
-              <a:buNone/>
-              <a:defRPr sz="1600" b="1"/>
+            <a:lvl8pPr marL="3617092" indent="0">
+              <a:buNone/>
+              <a:defRPr sz="1800" b="1"/>
             </a:lvl8pPr>
-            <a:lvl9pPr marL="3657600" indent="0">
-              <a:buNone/>
-              <a:defRPr sz="1600" b="1"/>
+            <a:lvl9pPr marL="4133820" indent="0">
+              <a:buNone/>
+              <a:defRPr sz="1800" b="1"/>
             </a:lvl9pPr>
           </a:lstStyle>
           <a:p>
@@ -1962,39 +2057,39 @@
         </p:nvSpPr>
         <p:spPr>
           <a:xfrm>
-            <a:off x="457200" y="2174875"/>
-            <a:ext cx="4040188" cy="3951288"/>
+            <a:off x="495302" y="2174875"/>
+            <a:ext cx="4376870" cy="3951288"/>
           </a:xfrm>
         </p:spPr>
         <p:txBody>
           <a:bodyPr/>
           <a:lstStyle>
             <a:lvl1pPr>
-              <a:defRPr sz="2400"/>
+              <a:defRPr sz="2700"/>
             </a:lvl1pPr>
             <a:lvl2pPr>
-              <a:defRPr sz="2000"/>
+              <a:defRPr sz="2300"/>
             </a:lvl2pPr>
             <a:lvl3pPr>
-              <a:defRPr sz="1800"/>
+              <a:defRPr sz="2000"/>
             </a:lvl3pPr>
             <a:lvl4pPr>
-              <a:defRPr sz="1600"/>
+              <a:defRPr sz="1800"/>
             </a:lvl4pPr>
             <a:lvl5pPr>
-              <a:defRPr sz="1600"/>
+              <a:defRPr sz="1800"/>
             </a:lvl5pPr>
             <a:lvl6pPr>
-              <a:defRPr sz="1600"/>
+              <a:defRPr sz="1800"/>
             </a:lvl6pPr>
             <a:lvl7pPr>
-              <a:defRPr sz="1600"/>
+              <a:defRPr sz="1800"/>
             </a:lvl7pPr>
             <a:lvl8pPr>
-              <a:defRPr sz="1600"/>
+              <a:defRPr sz="1800"/>
             </a:lvl8pPr>
             <a:lvl9pPr>
-              <a:defRPr sz="1600"/>
+              <a:defRPr sz="1800"/>
             </a:lvl9pPr>
           </a:lstStyle>
           <a:p>
@@ -2047,8 +2142,8 @@
         </p:nvSpPr>
         <p:spPr>
           <a:xfrm>
-            <a:off x="4645025" y="1535113"/>
-            <a:ext cx="4041775" cy="639762"/>
+            <a:off x="5032112" y="1535114"/>
+            <a:ext cx="4378589" cy="639762"/>
           </a:xfrm>
         </p:spPr>
         <p:txBody>
@@ -2056,39 +2151,39 @@
           <a:lstStyle>
             <a:lvl1pPr marL="0" indent="0">
               <a:buNone/>
-              <a:defRPr sz="2400" b="1"/>
+              <a:defRPr sz="2700" b="1"/>
             </a:lvl1pPr>
-            <a:lvl2pPr marL="457200" indent="0">
+            <a:lvl2pPr marL="516727" indent="0">
+              <a:buNone/>
+              <a:defRPr sz="2300" b="1"/>
+            </a:lvl2pPr>
+            <a:lvl3pPr marL="1033455" indent="0">
               <a:buNone/>
               <a:defRPr sz="2000" b="1"/>
-            </a:lvl2pPr>
-            <a:lvl3pPr marL="914400" indent="0">
+            </a:lvl3pPr>
+            <a:lvl4pPr marL="1550182" indent="0">
               <a:buNone/>
               <a:defRPr sz="1800" b="1"/>
-            </a:lvl3pPr>
-            <a:lvl4pPr marL="1371600" indent="0">
-              <a:buNone/>
-              <a:defRPr sz="1600" b="1"/>
             </a:lvl4pPr>
-            <a:lvl5pPr marL="1828800" indent="0">
-              <a:buNone/>
-              <a:defRPr sz="1600" b="1"/>
+            <a:lvl5pPr marL="2066910" indent="0">
+              <a:buNone/>
+              <a:defRPr sz="1800" b="1"/>
             </a:lvl5pPr>
-            <a:lvl6pPr marL="2286000" indent="0">
-              <a:buNone/>
-              <a:defRPr sz="1600" b="1"/>
+            <a:lvl6pPr marL="2583637" indent="0">
+              <a:buNone/>
+              <a:defRPr sz="1800" b="1"/>
             </a:lvl6pPr>
-            <a:lvl7pPr marL="2743200" indent="0">
-              <a:buNone/>
-              <a:defRPr sz="1600" b="1"/>
+            <a:lvl7pPr marL="3100365" indent="0">
+              <a:buNone/>
+              <a:defRPr sz="1800" b="1"/>
             </a:lvl7pPr>
-            <a:lvl8pPr marL="3200400" indent="0">
-              <a:buNone/>
-              <a:defRPr sz="1600" b="1"/>
+            <a:lvl8pPr marL="3617092" indent="0">
+              <a:buNone/>
+              <a:defRPr sz="1800" b="1"/>
             </a:lvl8pPr>
-            <a:lvl9pPr marL="3657600" indent="0">
-              <a:buNone/>
-              <a:defRPr sz="1600" b="1"/>
+            <a:lvl9pPr marL="4133820" indent="0">
+              <a:buNone/>
+              <a:defRPr sz="1800" b="1"/>
             </a:lvl9pPr>
           </a:lstStyle>
           <a:p>
@@ -2112,39 +2207,39 @@
         </p:nvSpPr>
         <p:spPr>
           <a:xfrm>
-            <a:off x="4645025" y="2174875"/>
-            <a:ext cx="4041775" cy="3951288"/>
+            <a:off x="5032112" y="2174875"/>
+            <a:ext cx="4378589" cy="3951288"/>
           </a:xfrm>
         </p:spPr>
         <p:txBody>
           <a:bodyPr/>
           <a:lstStyle>
             <a:lvl1pPr>
-              <a:defRPr sz="2400"/>
+              <a:defRPr sz="2700"/>
             </a:lvl1pPr>
             <a:lvl2pPr>
-              <a:defRPr sz="2000"/>
+              <a:defRPr sz="2300"/>
             </a:lvl2pPr>
             <a:lvl3pPr>
-              <a:defRPr sz="1800"/>
+              <a:defRPr sz="2000"/>
             </a:lvl3pPr>
             <a:lvl4pPr>
-              <a:defRPr sz="1600"/>
+              <a:defRPr sz="1800"/>
             </a:lvl4pPr>
             <a:lvl5pPr>
-              <a:defRPr sz="1600"/>
+              <a:defRPr sz="1800"/>
             </a:lvl5pPr>
             <a:lvl6pPr>
-              <a:defRPr sz="1600"/>
+              <a:defRPr sz="1800"/>
             </a:lvl6pPr>
             <a:lvl7pPr>
-              <a:defRPr sz="1600"/>
+              <a:defRPr sz="1800"/>
             </a:lvl7pPr>
             <a:lvl8pPr>
-              <a:defRPr sz="1600"/>
+              <a:defRPr sz="1800"/>
             </a:lvl8pPr>
             <a:lvl9pPr>
-              <a:defRPr sz="1600"/>
+              <a:defRPr sz="1800"/>
             </a:lvl9pPr>
           </a:lstStyle>
           <a:p>
@@ -2202,7 +2297,7 @@
           <a:p>
             <a:fld id="{EB39AE57-BE72-48E4-852F-810AED62C592}" type="datetimeFigureOut">
               <a:rPr lang="nl-NL" smtClean="0"/>
-              <a:t>16-12-2015</a:t>
+              <a:t>17-12-2015</a:t>
             </a:fld>
             <a:endParaRPr lang="nl-NL"/>
           </a:p>
@@ -2320,7 +2415,7 @@
           <a:p>
             <a:fld id="{EB39AE57-BE72-48E4-852F-810AED62C592}" type="datetimeFigureOut">
               <a:rPr lang="nl-NL" smtClean="0"/>
-              <a:t>16-12-2015</a:t>
+              <a:t>17-12-2015</a:t>
             </a:fld>
             <a:endParaRPr lang="nl-NL"/>
           </a:p>
@@ -2415,7 +2510,7 @@
           <a:p>
             <a:fld id="{EB39AE57-BE72-48E4-852F-810AED62C592}" type="datetimeFigureOut">
               <a:rPr lang="nl-NL" smtClean="0"/>
-              <a:t>16-12-2015</a:t>
+              <a:t>17-12-2015</a:t>
             </a:fld>
             <a:endParaRPr lang="nl-NL"/>
           </a:p>
@@ -2505,15 +2600,15 @@
         </p:nvSpPr>
         <p:spPr>
           <a:xfrm>
-            <a:off x="457200" y="273050"/>
-            <a:ext cx="3008313" cy="1162050"/>
+            <a:off x="495303" y="273051"/>
+            <a:ext cx="3259006" cy="1162050"/>
           </a:xfrm>
         </p:spPr>
         <p:txBody>
           <a:bodyPr anchor="b"/>
           <a:lstStyle>
             <a:lvl1pPr algn="l">
-              <a:defRPr sz="2000" b="1"/>
+              <a:defRPr sz="2300" b="1"/>
             </a:lvl1pPr>
           </a:lstStyle>
           <a:p>
@@ -2537,39 +2632,39 @@
         </p:nvSpPr>
         <p:spPr>
           <a:xfrm>
-            <a:off x="3575050" y="273050"/>
-            <a:ext cx="5111750" cy="5853113"/>
+            <a:off x="3872973" y="273050"/>
+            <a:ext cx="5537729" cy="5853114"/>
           </a:xfrm>
         </p:spPr>
         <p:txBody>
           <a:bodyPr/>
           <a:lstStyle>
             <a:lvl1pPr>
-              <a:defRPr sz="3200"/>
+              <a:defRPr sz="3600"/>
             </a:lvl1pPr>
             <a:lvl2pPr>
-              <a:defRPr sz="2800"/>
+              <a:defRPr sz="3200"/>
             </a:lvl2pPr>
             <a:lvl3pPr>
-              <a:defRPr sz="2400"/>
+              <a:defRPr sz="2700"/>
             </a:lvl3pPr>
             <a:lvl4pPr>
-              <a:defRPr sz="2000"/>
+              <a:defRPr sz="2300"/>
             </a:lvl4pPr>
             <a:lvl5pPr>
-              <a:defRPr sz="2000"/>
+              <a:defRPr sz="2300"/>
             </a:lvl5pPr>
             <a:lvl6pPr>
-              <a:defRPr sz="2000"/>
+              <a:defRPr sz="2300"/>
             </a:lvl6pPr>
             <a:lvl7pPr>
-              <a:defRPr sz="2000"/>
+              <a:defRPr sz="2300"/>
             </a:lvl7pPr>
             <a:lvl8pPr>
-              <a:defRPr sz="2000"/>
+              <a:defRPr sz="2300"/>
             </a:lvl8pPr>
             <a:lvl9pPr>
-              <a:defRPr sz="2000"/>
+              <a:defRPr sz="2300"/>
             </a:lvl9pPr>
           </a:lstStyle>
           <a:p>
@@ -2622,8 +2717,8 @@
         </p:nvSpPr>
         <p:spPr>
           <a:xfrm>
-            <a:off x="457200" y="1435100"/>
-            <a:ext cx="3008313" cy="4691063"/>
+            <a:off x="495303" y="1435101"/>
+            <a:ext cx="3259006" cy="4691063"/>
           </a:xfrm>
         </p:spPr>
         <p:txBody>
@@ -2631,39 +2726,39 @@
           <a:lstStyle>
             <a:lvl1pPr marL="0" indent="0">
               <a:buNone/>
+              <a:defRPr sz="1600"/>
+            </a:lvl1pPr>
+            <a:lvl2pPr marL="516727" indent="0">
+              <a:buNone/>
               <a:defRPr sz="1400"/>
-            </a:lvl1pPr>
-            <a:lvl2pPr marL="457200" indent="0">
-              <a:buNone/>
-              <a:defRPr sz="1200"/>
             </a:lvl2pPr>
-            <a:lvl3pPr marL="914400" indent="0">
+            <a:lvl3pPr marL="1033455" indent="0">
+              <a:buNone/>
+              <a:defRPr sz="1100"/>
+            </a:lvl3pPr>
+            <a:lvl4pPr marL="1550182" indent="0">
               <a:buNone/>
               <a:defRPr sz="1000"/>
-            </a:lvl3pPr>
-            <a:lvl4pPr marL="1371600" indent="0">
-              <a:buNone/>
-              <a:defRPr sz="900"/>
             </a:lvl4pPr>
-            <a:lvl5pPr marL="1828800" indent="0">
-              <a:buNone/>
-              <a:defRPr sz="900"/>
+            <a:lvl5pPr marL="2066910" indent="0">
+              <a:buNone/>
+              <a:defRPr sz="1000"/>
             </a:lvl5pPr>
-            <a:lvl6pPr marL="2286000" indent="0">
-              <a:buNone/>
-              <a:defRPr sz="900"/>
+            <a:lvl6pPr marL="2583637" indent="0">
+              <a:buNone/>
+              <a:defRPr sz="1000"/>
             </a:lvl6pPr>
-            <a:lvl7pPr marL="2743200" indent="0">
-              <a:buNone/>
-              <a:defRPr sz="900"/>
+            <a:lvl7pPr marL="3100365" indent="0">
+              <a:buNone/>
+              <a:defRPr sz="1000"/>
             </a:lvl7pPr>
-            <a:lvl8pPr marL="3200400" indent="0">
-              <a:buNone/>
-              <a:defRPr sz="900"/>
+            <a:lvl8pPr marL="3617092" indent="0">
+              <a:buNone/>
+              <a:defRPr sz="1000"/>
             </a:lvl8pPr>
-            <a:lvl9pPr marL="3657600" indent="0">
-              <a:buNone/>
-              <a:defRPr sz="900"/>
+            <a:lvl9pPr marL="4133820" indent="0">
+              <a:buNone/>
+              <a:defRPr sz="1000"/>
             </a:lvl9pPr>
           </a:lstStyle>
           <a:p>
@@ -2692,7 +2787,7 @@
           <a:p>
             <a:fld id="{EB39AE57-BE72-48E4-852F-810AED62C592}" type="datetimeFigureOut">
               <a:rPr lang="nl-NL" smtClean="0"/>
-              <a:t>16-12-2015</a:t>
+              <a:t>17-12-2015</a:t>
             </a:fld>
             <a:endParaRPr lang="nl-NL"/>
           </a:p>
@@ -2782,15 +2877,15 @@
         </p:nvSpPr>
         <p:spPr>
           <a:xfrm>
-            <a:off x="1792288" y="4800600"/>
-            <a:ext cx="5486400" cy="566738"/>
+            <a:off x="1941645" y="4800601"/>
+            <a:ext cx="5943600" cy="566738"/>
           </a:xfrm>
         </p:spPr>
         <p:txBody>
           <a:bodyPr anchor="b"/>
           <a:lstStyle>
             <a:lvl1pPr algn="l">
-              <a:defRPr sz="2000" b="1"/>
+              <a:defRPr sz="2300" b="1"/>
             </a:lvl1pPr>
           </a:lstStyle>
           <a:p>
@@ -2814,8 +2909,8 @@
         </p:nvSpPr>
         <p:spPr>
           <a:xfrm>
-            <a:off x="1792288" y="612775"/>
-            <a:ext cx="5486400" cy="4114800"/>
+            <a:off x="1941645" y="612775"/>
+            <a:ext cx="5943600" cy="4114800"/>
           </a:xfrm>
         </p:spPr>
         <p:txBody>
@@ -2823,39 +2918,39 @@
           <a:lstStyle>
             <a:lvl1pPr marL="0" indent="0">
               <a:buNone/>
+              <a:defRPr sz="3600"/>
+            </a:lvl1pPr>
+            <a:lvl2pPr marL="516727" indent="0">
+              <a:buNone/>
               <a:defRPr sz="3200"/>
-            </a:lvl1pPr>
-            <a:lvl2pPr marL="457200" indent="0">
-              <a:buNone/>
-              <a:defRPr sz="2800"/>
             </a:lvl2pPr>
-            <a:lvl3pPr marL="914400" indent="0">
-              <a:buNone/>
-              <a:defRPr sz="2400"/>
+            <a:lvl3pPr marL="1033455" indent="0">
+              <a:buNone/>
+              <a:defRPr sz="2700"/>
             </a:lvl3pPr>
-            <a:lvl4pPr marL="1371600" indent="0">
-              <a:buNone/>
-              <a:defRPr sz="2000"/>
+            <a:lvl4pPr marL="1550182" indent="0">
+              <a:buNone/>
+              <a:defRPr sz="2300"/>
             </a:lvl4pPr>
-            <a:lvl5pPr marL="1828800" indent="0">
-              <a:buNone/>
-              <a:defRPr sz="2000"/>
+            <a:lvl5pPr marL="2066910" indent="0">
+              <a:buNone/>
+              <a:defRPr sz="2300"/>
             </a:lvl5pPr>
-            <a:lvl6pPr marL="2286000" indent="0">
-              <a:buNone/>
-              <a:defRPr sz="2000"/>
+            <a:lvl6pPr marL="2583637" indent="0">
+              <a:buNone/>
+              <a:defRPr sz="2300"/>
             </a:lvl6pPr>
-            <a:lvl7pPr marL="2743200" indent="0">
-              <a:buNone/>
-              <a:defRPr sz="2000"/>
+            <a:lvl7pPr marL="3100365" indent="0">
+              <a:buNone/>
+              <a:defRPr sz="2300"/>
             </a:lvl7pPr>
-            <a:lvl8pPr marL="3200400" indent="0">
-              <a:buNone/>
-              <a:defRPr sz="2000"/>
+            <a:lvl8pPr marL="3617092" indent="0">
+              <a:buNone/>
+              <a:defRPr sz="2300"/>
             </a:lvl8pPr>
-            <a:lvl9pPr marL="3657600" indent="0">
-              <a:buNone/>
-              <a:defRPr sz="2000"/>
+            <a:lvl9pPr marL="4133820" indent="0">
+              <a:buNone/>
+              <a:defRPr sz="2300"/>
             </a:lvl9pPr>
           </a:lstStyle>
           <a:p>
@@ -2875,8 +2970,8 @@
         </p:nvSpPr>
         <p:spPr>
           <a:xfrm>
-            <a:off x="1792288" y="5367338"/>
-            <a:ext cx="5486400" cy="804862"/>
+            <a:off x="1941645" y="5367339"/>
+            <a:ext cx="5943600" cy="804862"/>
           </a:xfrm>
         </p:spPr>
         <p:txBody>
@@ -2884,39 +2979,39 @@
           <a:lstStyle>
             <a:lvl1pPr marL="0" indent="0">
               <a:buNone/>
+              <a:defRPr sz="1600"/>
+            </a:lvl1pPr>
+            <a:lvl2pPr marL="516727" indent="0">
+              <a:buNone/>
               <a:defRPr sz="1400"/>
-            </a:lvl1pPr>
-            <a:lvl2pPr marL="457200" indent="0">
-              <a:buNone/>
-              <a:defRPr sz="1200"/>
             </a:lvl2pPr>
-            <a:lvl3pPr marL="914400" indent="0">
+            <a:lvl3pPr marL="1033455" indent="0">
+              <a:buNone/>
+              <a:defRPr sz="1100"/>
+            </a:lvl3pPr>
+            <a:lvl4pPr marL="1550182" indent="0">
               <a:buNone/>
               <a:defRPr sz="1000"/>
-            </a:lvl3pPr>
-            <a:lvl4pPr marL="1371600" indent="0">
-              <a:buNone/>
-              <a:defRPr sz="900"/>
             </a:lvl4pPr>
-            <a:lvl5pPr marL="1828800" indent="0">
-              <a:buNone/>
-              <a:defRPr sz="900"/>
+            <a:lvl5pPr marL="2066910" indent="0">
+              <a:buNone/>
+              <a:defRPr sz="1000"/>
             </a:lvl5pPr>
-            <a:lvl6pPr marL="2286000" indent="0">
-              <a:buNone/>
-              <a:defRPr sz="900"/>
+            <a:lvl6pPr marL="2583637" indent="0">
+              <a:buNone/>
+              <a:defRPr sz="1000"/>
             </a:lvl6pPr>
-            <a:lvl7pPr marL="2743200" indent="0">
-              <a:buNone/>
-              <a:defRPr sz="900"/>
+            <a:lvl7pPr marL="3100365" indent="0">
+              <a:buNone/>
+              <a:defRPr sz="1000"/>
             </a:lvl7pPr>
-            <a:lvl8pPr marL="3200400" indent="0">
-              <a:buNone/>
-              <a:defRPr sz="900"/>
+            <a:lvl8pPr marL="3617092" indent="0">
+              <a:buNone/>
+              <a:defRPr sz="1000"/>
             </a:lvl8pPr>
-            <a:lvl9pPr marL="3657600" indent="0">
-              <a:buNone/>
-              <a:defRPr sz="900"/>
+            <a:lvl9pPr marL="4133820" indent="0">
+              <a:buNone/>
+              <a:defRPr sz="1000"/>
             </a:lvl9pPr>
           </a:lstStyle>
           <a:p>
@@ -2945,7 +3040,7 @@
           <a:p>
             <a:fld id="{EB39AE57-BE72-48E4-852F-810AED62C592}" type="datetimeFigureOut">
               <a:rPr lang="nl-NL" smtClean="0"/>
-              <a:t>16-12-2015</a:t>
+              <a:t>17-12-2015</a:t>
             </a:fld>
             <a:endParaRPr lang="nl-NL"/>
           </a:p>
@@ -3040,15 +3135,15 @@
         </p:nvSpPr>
         <p:spPr>
           <a:xfrm>
-            <a:off x="457200" y="274638"/>
-            <a:ext cx="8229600" cy="1143000"/>
+            <a:off x="495301" y="274638"/>
+            <a:ext cx="8915400" cy="1143000"/>
           </a:xfrm>
           <a:prstGeom prst="rect">
             <a:avLst/>
           </a:prstGeom>
         </p:spPr>
         <p:txBody>
-          <a:bodyPr vert="horz" lIns="91440" tIns="45720" rIns="91440" bIns="45720" rtlCol="0" anchor="ctr">
+          <a:bodyPr vert="horz" lIns="103345" tIns="51673" rIns="103345" bIns="51673" rtlCol="0" anchor="ctr">
             <a:normAutofit/>
           </a:bodyPr>
           <a:lstStyle/>
@@ -3073,15 +3168,15 @@
         </p:nvSpPr>
         <p:spPr>
           <a:xfrm>
-            <a:off x="457200" y="1600200"/>
-            <a:ext cx="8229600" cy="4525963"/>
+            <a:off x="495301" y="1600201"/>
+            <a:ext cx="8915400" cy="4525963"/>
           </a:xfrm>
           <a:prstGeom prst="rect">
             <a:avLst/>
           </a:prstGeom>
         </p:spPr>
         <p:txBody>
-          <a:bodyPr vert="horz" lIns="91440" tIns="45720" rIns="91440" bIns="45720" rtlCol="0">
+          <a:bodyPr vert="horz" lIns="103345" tIns="51673" rIns="103345" bIns="51673" rtlCol="0">
             <a:normAutofit/>
           </a:bodyPr>
           <a:lstStyle/>
@@ -3135,18 +3230,18 @@
         </p:nvSpPr>
         <p:spPr>
           <a:xfrm>
-            <a:off x="457200" y="6356350"/>
-            <a:ext cx="2133600" cy="365125"/>
+            <a:off x="495300" y="6356352"/>
+            <a:ext cx="2311400" cy="365124"/>
           </a:xfrm>
           <a:prstGeom prst="rect">
             <a:avLst/>
           </a:prstGeom>
         </p:spPr>
         <p:txBody>
-          <a:bodyPr vert="horz" lIns="91440" tIns="45720" rIns="91440" bIns="45720" rtlCol="0" anchor="ctr"/>
+          <a:bodyPr vert="horz" lIns="103345" tIns="51673" rIns="103345" bIns="51673" rtlCol="0" anchor="ctr"/>
           <a:lstStyle>
             <a:lvl1pPr algn="l">
-              <a:defRPr sz="1200">
+              <a:defRPr sz="1400">
                 <a:solidFill>
                   <a:schemeClr val="tx1">
                     <a:tint val="75000"/>
@@ -3158,7 +3253,7 @@
           <a:p>
             <a:fld id="{EB39AE57-BE72-48E4-852F-810AED62C592}" type="datetimeFigureOut">
               <a:rPr lang="nl-NL" smtClean="0"/>
-              <a:t>16-12-2015</a:t>
+              <a:t>17-12-2015</a:t>
             </a:fld>
             <a:endParaRPr lang="nl-NL"/>
           </a:p>
@@ -3176,18 +3271,18 @@
         </p:nvSpPr>
         <p:spPr>
           <a:xfrm>
-            <a:off x="3124200" y="6356350"/>
-            <a:ext cx="2895600" cy="365125"/>
+            <a:off x="3384551" y="6356352"/>
+            <a:ext cx="3136900" cy="365124"/>
           </a:xfrm>
           <a:prstGeom prst="rect">
             <a:avLst/>
           </a:prstGeom>
         </p:spPr>
         <p:txBody>
-          <a:bodyPr vert="horz" lIns="91440" tIns="45720" rIns="91440" bIns="45720" rtlCol="0" anchor="ctr"/>
+          <a:bodyPr vert="horz" lIns="103345" tIns="51673" rIns="103345" bIns="51673" rtlCol="0" anchor="ctr"/>
           <a:lstStyle>
             <a:lvl1pPr algn="ctr">
-              <a:defRPr sz="1200">
+              <a:defRPr sz="1400">
                 <a:solidFill>
                   <a:schemeClr val="tx1">
                     <a:tint val="75000"/>
@@ -3213,18 +3308,18 @@
         </p:nvSpPr>
         <p:spPr>
           <a:xfrm>
-            <a:off x="6553200" y="6356350"/>
-            <a:ext cx="2133600" cy="365125"/>
+            <a:off x="7099301" y="6356352"/>
+            <a:ext cx="2311400" cy="365124"/>
           </a:xfrm>
           <a:prstGeom prst="rect">
             <a:avLst/>
           </a:prstGeom>
         </p:spPr>
         <p:txBody>
-          <a:bodyPr vert="horz" lIns="91440" tIns="45720" rIns="91440" bIns="45720" rtlCol="0" anchor="ctr"/>
+          <a:bodyPr vert="horz" lIns="103345" tIns="51673" rIns="103345" bIns="51673" rtlCol="0" anchor="ctr"/>
           <a:lstStyle>
             <a:lvl1pPr algn="r">
-              <a:defRPr sz="1200">
+              <a:defRPr sz="1400">
                 <a:solidFill>
                   <a:schemeClr val="tx1">
                     <a:tint val="75000"/>
@@ -3265,12 +3360,12 @@
   </p:sldLayoutIdLst>
   <p:txStyles>
     <p:titleStyle>
-      <a:lvl1pPr algn="ctr" defTabSz="914400" rtl="0" eaLnBrk="1" latinLnBrk="0" hangingPunct="1">
+      <a:lvl1pPr algn="ctr" defTabSz="1033455" rtl="0" eaLnBrk="1" latinLnBrk="0" hangingPunct="1">
         <a:spcBef>
           <a:spcPct val="0"/>
         </a:spcBef>
         <a:buNone/>
-        <a:defRPr sz="4400" kern="1200">
+        <a:defRPr sz="5000" kern="1200">
           <a:solidFill>
             <a:schemeClr val="tx1"/>
           </a:solidFill>
@@ -3281,12 +3376,27 @@
       </a:lvl1pPr>
     </p:titleStyle>
     <p:bodyStyle>
-      <a:lvl1pPr marL="342900" indent="-342900" algn="l" defTabSz="914400" rtl="0" eaLnBrk="1" latinLnBrk="0" hangingPunct="1">
+      <a:lvl1pPr marL="387546" indent="-387546" algn="l" defTabSz="1033455" rtl="0" eaLnBrk="1" latinLnBrk="0" hangingPunct="1">
         <a:spcBef>
           <a:spcPct val="20000"/>
         </a:spcBef>
         <a:buFont typeface="Arial" panose="020B0604020202020204" pitchFamily="34" charset="0"/>
         <a:buChar char="•"/>
+        <a:defRPr sz="3600" kern="1200">
+          <a:solidFill>
+            <a:schemeClr val="tx1"/>
+          </a:solidFill>
+          <a:latin typeface="+mn-lt"/>
+          <a:ea typeface="+mn-ea"/>
+          <a:cs typeface="+mn-cs"/>
+        </a:defRPr>
+      </a:lvl1pPr>
+      <a:lvl2pPr marL="839682" indent="-322955" algn="l" defTabSz="1033455" rtl="0" eaLnBrk="1" latinLnBrk="0" hangingPunct="1">
+        <a:spcBef>
+          <a:spcPct val="20000"/>
+        </a:spcBef>
+        <a:buFont typeface="Arial" panose="020B0604020202020204" pitchFamily="34" charset="0"/>
+        <a:buChar char="–"/>
         <a:defRPr sz="3200" kern="1200">
           <a:solidFill>
             <a:schemeClr val="tx1"/>
@@ -3295,29 +3405,14 @@
           <a:ea typeface="+mn-ea"/>
           <a:cs typeface="+mn-cs"/>
         </a:defRPr>
-      </a:lvl1pPr>
-      <a:lvl2pPr marL="742950" indent="-285750" algn="l" defTabSz="914400" rtl="0" eaLnBrk="1" latinLnBrk="0" hangingPunct="1">
-        <a:spcBef>
-          <a:spcPct val="20000"/>
-        </a:spcBef>
-        <a:buFont typeface="Arial" panose="020B0604020202020204" pitchFamily="34" charset="0"/>
-        <a:buChar char="–"/>
-        <a:defRPr sz="2800" kern="1200">
-          <a:solidFill>
-            <a:schemeClr val="tx1"/>
-          </a:solidFill>
-          <a:latin typeface="+mn-lt"/>
-          <a:ea typeface="+mn-ea"/>
-          <a:cs typeface="+mn-cs"/>
-        </a:defRPr>
       </a:lvl2pPr>
-      <a:lvl3pPr marL="1143000" indent="-228600" algn="l" defTabSz="914400" rtl="0" eaLnBrk="1" latinLnBrk="0" hangingPunct="1">
+      <a:lvl3pPr marL="1291819" indent="-258364" algn="l" defTabSz="1033455" rtl="0" eaLnBrk="1" latinLnBrk="0" hangingPunct="1">
         <a:spcBef>
           <a:spcPct val="20000"/>
         </a:spcBef>
         <a:buFont typeface="Arial" panose="020B0604020202020204" pitchFamily="34" charset="0"/>
         <a:buChar char="•"/>
-        <a:defRPr sz="2400" kern="1200">
+        <a:defRPr sz="2700" kern="1200">
           <a:solidFill>
             <a:schemeClr val="tx1"/>
           </a:solidFill>
@@ -3326,13 +3421,13 @@
           <a:cs typeface="+mn-cs"/>
         </a:defRPr>
       </a:lvl3pPr>
-      <a:lvl4pPr marL="1600200" indent="-228600" algn="l" defTabSz="914400" rtl="0" eaLnBrk="1" latinLnBrk="0" hangingPunct="1">
+      <a:lvl4pPr marL="1808546" indent="-258364" algn="l" defTabSz="1033455" rtl="0" eaLnBrk="1" latinLnBrk="0" hangingPunct="1">
         <a:spcBef>
           <a:spcPct val="20000"/>
         </a:spcBef>
         <a:buFont typeface="Arial" panose="020B0604020202020204" pitchFamily="34" charset="0"/>
         <a:buChar char="–"/>
-        <a:defRPr sz="2000" kern="1200">
+        <a:defRPr sz="2300" kern="1200">
           <a:solidFill>
             <a:schemeClr val="tx1"/>
           </a:solidFill>
@@ -3341,13 +3436,13 @@
           <a:cs typeface="+mn-cs"/>
         </a:defRPr>
       </a:lvl4pPr>
-      <a:lvl5pPr marL="2057400" indent="-228600" algn="l" defTabSz="914400" rtl="0" eaLnBrk="1" latinLnBrk="0" hangingPunct="1">
+      <a:lvl5pPr marL="2325273" indent="-258364" algn="l" defTabSz="1033455" rtl="0" eaLnBrk="1" latinLnBrk="0" hangingPunct="1">
         <a:spcBef>
           <a:spcPct val="20000"/>
         </a:spcBef>
         <a:buFont typeface="Arial" panose="020B0604020202020204" pitchFamily="34" charset="0"/>
         <a:buChar char="»"/>
-        <a:defRPr sz="2000" kern="1200">
+        <a:defRPr sz="2300" kern="1200">
           <a:solidFill>
             <a:schemeClr val="tx1"/>
           </a:solidFill>
@@ -3356,13 +3451,13 @@
           <a:cs typeface="+mn-cs"/>
         </a:defRPr>
       </a:lvl5pPr>
-      <a:lvl6pPr marL="2514600" indent="-228600" algn="l" defTabSz="914400" rtl="0" eaLnBrk="1" latinLnBrk="0" hangingPunct="1">
+      <a:lvl6pPr marL="2842001" indent="-258364" algn="l" defTabSz="1033455" rtl="0" eaLnBrk="1" latinLnBrk="0" hangingPunct="1">
         <a:spcBef>
           <a:spcPct val="20000"/>
         </a:spcBef>
         <a:buFont typeface="Arial" panose="020B0604020202020204" pitchFamily="34" charset="0"/>
         <a:buChar char="•"/>
-        <a:defRPr sz="2000" kern="1200">
+        <a:defRPr sz="2300" kern="1200">
           <a:solidFill>
             <a:schemeClr val="tx1"/>
           </a:solidFill>
@@ -3371,13 +3466,13 @@
           <a:cs typeface="+mn-cs"/>
         </a:defRPr>
       </a:lvl6pPr>
-      <a:lvl7pPr marL="2971800" indent="-228600" algn="l" defTabSz="914400" rtl="0" eaLnBrk="1" latinLnBrk="0" hangingPunct="1">
+      <a:lvl7pPr marL="3358728" indent="-258364" algn="l" defTabSz="1033455" rtl="0" eaLnBrk="1" latinLnBrk="0" hangingPunct="1">
         <a:spcBef>
           <a:spcPct val="20000"/>
         </a:spcBef>
         <a:buFont typeface="Arial" panose="020B0604020202020204" pitchFamily="34" charset="0"/>
         <a:buChar char="•"/>
-        <a:defRPr sz="2000" kern="1200">
+        <a:defRPr sz="2300" kern="1200">
           <a:solidFill>
             <a:schemeClr val="tx1"/>
           </a:solidFill>
@@ -3386,13 +3481,13 @@
           <a:cs typeface="+mn-cs"/>
         </a:defRPr>
       </a:lvl7pPr>
-      <a:lvl8pPr marL="3429000" indent="-228600" algn="l" defTabSz="914400" rtl="0" eaLnBrk="1" latinLnBrk="0" hangingPunct="1">
+      <a:lvl8pPr marL="3875456" indent="-258364" algn="l" defTabSz="1033455" rtl="0" eaLnBrk="1" latinLnBrk="0" hangingPunct="1">
         <a:spcBef>
           <a:spcPct val="20000"/>
         </a:spcBef>
         <a:buFont typeface="Arial" panose="020B0604020202020204" pitchFamily="34" charset="0"/>
         <a:buChar char="•"/>
-        <a:defRPr sz="2000" kern="1200">
+        <a:defRPr sz="2300" kern="1200">
           <a:solidFill>
             <a:schemeClr val="tx1"/>
           </a:solidFill>
@@ -3401,13 +3496,13 @@
           <a:cs typeface="+mn-cs"/>
         </a:defRPr>
       </a:lvl8pPr>
-      <a:lvl9pPr marL="3886200" indent="-228600" algn="l" defTabSz="914400" rtl="0" eaLnBrk="1" latinLnBrk="0" hangingPunct="1">
+      <a:lvl9pPr marL="4392183" indent="-258364" algn="l" defTabSz="1033455" rtl="0" eaLnBrk="1" latinLnBrk="0" hangingPunct="1">
         <a:spcBef>
           <a:spcPct val="20000"/>
         </a:spcBef>
         <a:buFont typeface="Arial" panose="020B0604020202020204" pitchFamily="34" charset="0"/>
         <a:buChar char="•"/>
-        <a:defRPr sz="2000" kern="1200">
+        <a:defRPr sz="2300" kern="1200">
           <a:solidFill>
             <a:schemeClr val="tx1"/>
           </a:solidFill>
@@ -3421,8 +3516,8 @@
       <a:defPPr>
         <a:defRPr lang="nl-NL"/>
       </a:defPPr>
-      <a:lvl1pPr marL="0" algn="l" defTabSz="914400" rtl="0" eaLnBrk="1" latinLnBrk="0" hangingPunct="1">
-        <a:defRPr sz="1800" kern="1200">
+      <a:lvl1pPr marL="0" algn="l" defTabSz="1033455" rtl="0" eaLnBrk="1" latinLnBrk="0" hangingPunct="1">
+        <a:defRPr sz="2000" kern="1200">
           <a:solidFill>
             <a:schemeClr val="tx1"/>
           </a:solidFill>
@@ -3431,8 +3526,8 @@
           <a:cs typeface="+mn-cs"/>
         </a:defRPr>
       </a:lvl1pPr>
-      <a:lvl2pPr marL="457200" algn="l" defTabSz="914400" rtl="0" eaLnBrk="1" latinLnBrk="0" hangingPunct="1">
-        <a:defRPr sz="1800" kern="1200">
+      <a:lvl2pPr marL="516727" algn="l" defTabSz="1033455" rtl="0" eaLnBrk="1" latinLnBrk="0" hangingPunct="1">
+        <a:defRPr sz="2000" kern="1200">
           <a:solidFill>
             <a:schemeClr val="tx1"/>
           </a:solidFill>
@@ -3441,8 +3536,8 @@
           <a:cs typeface="+mn-cs"/>
         </a:defRPr>
       </a:lvl2pPr>
-      <a:lvl3pPr marL="914400" algn="l" defTabSz="914400" rtl="0" eaLnBrk="1" latinLnBrk="0" hangingPunct="1">
-        <a:defRPr sz="1800" kern="1200">
+      <a:lvl3pPr marL="1033455" algn="l" defTabSz="1033455" rtl="0" eaLnBrk="1" latinLnBrk="0" hangingPunct="1">
+        <a:defRPr sz="2000" kern="1200">
           <a:solidFill>
             <a:schemeClr val="tx1"/>
           </a:solidFill>
@@ -3451,8 +3546,8 @@
           <a:cs typeface="+mn-cs"/>
         </a:defRPr>
       </a:lvl3pPr>
-      <a:lvl4pPr marL="1371600" algn="l" defTabSz="914400" rtl="0" eaLnBrk="1" latinLnBrk="0" hangingPunct="1">
-        <a:defRPr sz="1800" kern="1200">
+      <a:lvl4pPr marL="1550182" algn="l" defTabSz="1033455" rtl="0" eaLnBrk="1" latinLnBrk="0" hangingPunct="1">
+        <a:defRPr sz="2000" kern="1200">
           <a:solidFill>
             <a:schemeClr val="tx1"/>
           </a:solidFill>
@@ -3461,8 +3556,8 @@
           <a:cs typeface="+mn-cs"/>
         </a:defRPr>
       </a:lvl4pPr>
-      <a:lvl5pPr marL="1828800" algn="l" defTabSz="914400" rtl="0" eaLnBrk="1" latinLnBrk="0" hangingPunct="1">
-        <a:defRPr sz="1800" kern="1200">
+      <a:lvl5pPr marL="2066910" algn="l" defTabSz="1033455" rtl="0" eaLnBrk="1" latinLnBrk="0" hangingPunct="1">
+        <a:defRPr sz="2000" kern="1200">
           <a:solidFill>
             <a:schemeClr val="tx1"/>
           </a:solidFill>
@@ -3471,8 +3566,8 @@
           <a:cs typeface="+mn-cs"/>
         </a:defRPr>
       </a:lvl5pPr>
-      <a:lvl6pPr marL="2286000" algn="l" defTabSz="914400" rtl="0" eaLnBrk="1" latinLnBrk="0" hangingPunct="1">
-        <a:defRPr sz="1800" kern="1200">
+      <a:lvl6pPr marL="2583637" algn="l" defTabSz="1033455" rtl="0" eaLnBrk="1" latinLnBrk="0" hangingPunct="1">
+        <a:defRPr sz="2000" kern="1200">
           <a:solidFill>
             <a:schemeClr val="tx1"/>
           </a:solidFill>
@@ -3481,8 +3576,8 @@
           <a:cs typeface="+mn-cs"/>
         </a:defRPr>
       </a:lvl6pPr>
-      <a:lvl7pPr marL="2743200" algn="l" defTabSz="914400" rtl="0" eaLnBrk="1" latinLnBrk="0" hangingPunct="1">
-        <a:defRPr sz="1800" kern="1200">
+      <a:lvl7pPr marL="3100365" algn="l" defTabSz="1033455" rtl="0" eaLnBrk="1" latinLnBrk="0" hangingPunct="1">
+        <a:defRPr sz="2000" kern="1200">
           <a:solidFill>
             <a:schemeClr val="tx1"/>
           </a:solidFill>
@@ -3491,8 +3586,8 @@
           <a:cs typeface="+mn-cs"/>
         </a:defRPr>
       </a:lvl7pPr>
-      <a:lvl8pPr marL="3200400" algn="l" defTabSz="914400" rtl="0" eaLnBrk="1" latinLnBrk="0" hangingPunct="1">
-        <a:defRPr sz="1800" kern="1200">
+      <a:lvl8pPr marL="3617092" algn="l" defTabSz="1033455" rtl="0" eaLnBrk="1" latinLnBrk="0" hangingPunct="1">
+        <a:defRPr sz="2000" kern="1200">
           <a:solidFill>
             <a:schemeClr val="tx1"/>
           </a:solidFill>
@@ -3501,8 +3596,8 @@
           <a:cs typeface="+mn-cs"/>
         </a:defRPr>
       </a:lvl8pPr>
-      <a:lvl9pPr marL="3657600" algn="l" defTabSz="914400" rtl="0" eaLnBrk="1" latinLnBrk="0" hangingPunct="1">
-        <a:defRPr sz="1800" kern="1200">
+      <a:lvl9pPr marL="4133820" algn="l" defTabSz="1033455" rtl="0" eaLnBrk="1" latinLnBrk="0" hangingPunct="1">
+        <a:defRPr sz="2000" kern="1200">
           <a:solidFill>
             <a:schemeClr val="tx1"/>
           </a:solidFill>
@@ -3541,8 +3636,8 @@
         </p:nvSpPr>
         <p:spPr>
           <a:xfrm>
-            <a:off x="1259632" y="404664"/>
-            <a:ext cx="2448272" cy="1754326"/>
+            <a:off x="145281" y="188640"/>
+            <a:ext cx="4591695" cy="2443457"/>
           </a:xfrm>
           <a:prstGeom prst="rect">
             <a:avLst/>
@@ -3550,59 +3645,167 @@
           <a:noFill/>
         </p:spPr>
         <p:txBody>
-          <a:bodyPr wrap="square" rtlCol="0">
+          <a:bodyPr wrap="square" lIns="103345" tIns="51673" rIns="103345" bIns="51673" rtlCol="0">
             <a:spAutoFit/>
           </a:bodyPr>
           <a:lstStyle/>
           <a:p>
             <a:r>
-              <a:rPr lang="nl-NL" b="1" dirty="0" smtClean="0"/>
+              <a:rPr lang="nl-NL" sz="1600" b="1" dirty="0" smtClean="0"/>
               <a:t>Introductie</a:t>
             </a:r>
+            <a:endParaRPr lang="nl-NL" sz="1600" b="1" dirty="0"/>
+          </a:p>
+          <a:p>
+            <a:r>
+              <a:rPr lang="nl-NL" sz="1400" dirty="0" smtClean="0"/>
+              <a:t>Wij hebben de opdracht gekregen om </a:t>
+            </a:r>
+            <a:r>
+              <a:rPr lang="nl-NL" sz="1400" dirty="0" smtClean="0"/>
+              <a:t>met behulp van beeldverwerking een </a:t>
+            </a:r>
+            <a:r>
+              <a:rPr lang="nl-NL" sz="1400" dirty="0" smtClean="0"/>
+              <a:t>programma te maken dat kentekenplaatnummers herkent. Dit programma wordt gemaakt met </a:t>
+            </a:r>
+            <a:r>
+              <a:rPr lang="nl-NL" sz="1400" dirty="0" err="1" smtClean="0"/>
+              <a:t>matlab</a:t>
+            </a:r>
+            <a:r>
+              <a:rPr lang="nl-NL" sz="1400" dirty="0" smtClean="0"/>
+              <a:t> en zal o.a. gebruik maken van segmentatie</a:t>
+            </a:r>
+            <a:r>
+              <a:rPr lang="nl-NL" sz="1800" dirty="0" smtClean="0"/>
+              <a:t>. </a:t>
+            </a:r>
           </a:p>
           <a:p>
             <a:endParaRPr lang="nl-NL" b="1" dirty="0"/>
           </a:p>
           <a:p>
-            <a:r>
-              <a:rPr lang="nl-NL" dirty="0" smtClean="0"/>
-              <a:t>De opdracht beschrijven</a:t>
-            </a:r>
+            <a:endParaRPr lang="nl-NL" b="1" dirty="0" smtClean="0"/>
           </a:p>
           <a:p>
             <a:endParaRPr lang="nl-NL" b="1" dirty="0"/>
           </a:p>
-          <a:p>
-            <a:endParaRPr lang="nl-NL" b="1" dirty="0" smtClean="0"/>
-          </a:p>
-          <a:p>
-            <a:endParaRPr lang="nl-NL" b="1" dirty="0"/>
+        </p:txBody>
+      </p:sp>
+      <p:sp>
+        <p:nvSpPr>
+          <p:cNvPr id="7" name="Tekstvak 6"/>
+          <p:cNvSpPr txBox="1"/>
+          <p:nvPr/>
+        </p:nvSpPr>
+        <p:spPr>
+          <a:xfrm>
+            <a:off x="175765" y="2132856"/>
+            <a:ext cx="4417195" cy="2720456"/>
+          </a:xfrm>
+          <a:prstGeom prst="rect">
+            <a:avLst/>
+          </a:prstGeom>
+          <a:noFill/>
+        </p:spPr>
+        <p:txBody>
+          <a:bodyPr wrap="square" lIns="103345" tIns="51673" rIns="103345" bIns="51673" rtlCol="0">
+            <a:spAutoFit/>
+          </a:bodyPr>
+          <a:lstStyle/>
+          <a:p>
+            <a:r>
+              <a:rPr lang="nl-NL" sz="1600" b="1" dirty="0" smtClean="0"/>
+              <a:t>Segmentatie</a:t>
+            </a:r>
+            <a:br>
+              <a:rPr lang="nl-NL" sz="1600" b="1" dirty="0" smtClean="0"/>
+            </a:br>
+            <a:r>
+              <a:rPr lang="nl-NL" sz="1400" dirty="0" smtClean="0"/>
+              <a:t>Om te segmenteren hebben we </a:t>
+            </a:r>
+            <a:r>
+              <a:rPr lang="nl-NL" sz="1400" dirty="0" err="1" smtClean="0"/>
+              <a:t>ColorThresholder</a:t>
+            </a:r>
+            <a:r>
+              <a:rPr lang="nl-NL" sz="1400" dirty="0" smtClean="0"/>
+              <a:t> gebruikt. Dit </a:t>
+            </a:r>
+            <a:r>
+              <a:rPr lang="nl-NL" sz="1400" dirty="0" err="1" smtClean="0"/>
+              <a:t>command</a:t>
+            </a:r>
+            <a:r>
+              <a:rPr lang="nl-NL" sz="1400" dirty="0" smtClean="0"/>
+              <a:t> opent een nieuw scherm (zoals in afbeelding 2 te zien is) waarin je een plaatje kunt inlezen en dan kunt schuiven met de RGB waarden die je wilt laten zien. We begonnen met het inlezen van één frame om van daaruit het filter te maken maar dit werkte niet optimaal. We hebben er daarom voor gekozen om meerdere frames bij elkaar te plakken om zo beter te kunnen zien welke RGB waarden bij de gele nummerplaat horen. Het oorspronkelijke beeld (de frames dus) worden genormaliseerd zodat het filter optimaal werkt. </a:t>
+            </a:r>
+            <a:endParaRPr lang="nl-NL" sz="1400" b="1" dirty="0"/>
+          </a:p>
+        </p:txBody>
+      </p:sp>
+      <p:sp>
+        <p:nvSpPr>
+          <p:cNvPr id="8" name="Tekstvak 7"/>
+          <p:cNvSpPr txBox="1"/>
+          <p:nvPr/>
+        </p:nvSpPr>
+        <p:spPr>
+          <a:xfrm>
+            <a:off x="5126450" y="188640"/>
+            <a:ext cx="4375672" cy="781464"/>
+          </a:xfrm>
+          <a:prstGeom prst="rect">
+            <a:avLst/>
+          </a:prstGeom>
+          <a:noFill/>
+        </p:spPr>
+        <p:txBody>
+          <a:bodyPr wrap="square" lIns="103345" tIns="51673" rIns="103345" bIns="51673" rtlCol="0">
+            <a:spAutoFit/>
+          </a:bodyPr>
+          <a:lstStyle/>
+          <a:p>
+            <a:r>
+              <a:rPr lang="nl-NL" sz="1600" b="1" dirty="0" smtClean="0"/>
+              <a:t>GUI</a:t>
+            </a:r>
+            <a:br>
+              <a:rPr lang="nl-NL" sz="1600" b="1" dirty="0" smtClean="0"/>
+            </a:br>
+            <a:r>
+              <a:rPr lang="nl-NL" sz="1400" dirty="0" smtClean="0"/>
+              <a:t>In afbeelding 1 is de GUI te zien. Je ziet dat er eigenlijk maar drie knoppen zijn die je kunt gebruiken. </a:t>
+            </a:r>
+            <a:endParaRPr lang="nl-NL" sz="1400" b="1" dirty="0"/>
           </a:p>
         </p:txBody>
       </p:sp>
       <p:pic>
         <p:nvPicPr>
-          <p:cNvPr id="1026" name="Picture 2"/>
+          <p:cNvPr id="2" name="Picture 2"/>
           <p:cNvPicPr>
             <a:picLocks noChangeAspect="1" noChangeArrowheads="1"/>
           </p:cNvPicPr>
           <p:nvPr/>
         </p:nvPicPr>
         <p:blipFill rotWithShape="1">
-          <a:blip r:embed="rId3" cstate="print">
+          <a:blip r:embed="rId3">
             <a:extLst>
               <a:ext uri="{28A0092B-C50C-407E-A947-70E740481C1C}">
                 <a14:useLocalDpi xmlns:a14="http://schemas.microsoft.com/office/drawing/2010/main" val="0"/>
               </a:ext>
             </a:extLst>
           </a:blip>
-          <a:srcRect l="4128" t="20437" b="6250"/>
+          <a:srcRect l="18231" t="3951" r="54163" b="54302"/>
           <a:stretch/>
         </p:blipFill>
         <p:spPr bwMode="auto">
           <a:xfrm>
-            <a:off x="4355976" y="1143082"/>
-            <a:ext cx="4458447" cy="1916831"/>
+            <a:off x="4722658" y="1413994"/>
+            <a:ext cx="4746208" cy="1584176"/>
           </a:xfrm>
           <a:prstGeom prst="rect">
             <a:avLst/>
@@ -3632,125 +3835,29 @@
           </a:extLst>
         </p:spPr>
       </p:pic>
-      <p:sp>
-        <p:nvSpPr>
-          <p:cNvPr id="7" name="Tekstvak 6"/>
-          <p:cNvSpPr txBox="1"/>
-          <p:nvPr/>
-        </p:nvSpPr>
-        <p:spPr>
-          <a:xfrm>
-            <a:off x="-72695" y="1726356"/>
-            <a:ext cx="4458447" cy="1200329"/>
-          </a:xfrm>
-          <a:prstGeom prst="rect">
-            <a:avLst/>
-          </a:prstGeom>
-          <a:noFill/>
-        </p:spPr>
-        <p:txBody>
-          <a:bodyPr wrap="square" rtlCol="0">
-            <a:spAutoFit/>
-          </a:bodyPr>
-          <a:lstStyle/>
-          <a:p>
-            <a:pPr algn="ctr"/>
-            <a:r>
-              <a:rPr lang="nl-NL" b="1" dirty="0" smtClean="0"/>
-              <a:t>Segmentatie</a:t>
-            </a:r>
-            <a:br>
-              <a:rPr lang="nl-NL" b="1" dirty="0" smtClean="0"/>
-            </a:br>
-            <a:r>
-              <a:rPr lang="nl-NL" dirty="0" err="1" smtClean="0"/>
-              <a:t>ColorThreshold</a:t>
-            </a:r>
-            <a:r>
-              <a:rPr lang="nl-NL" dirty="0" smtClean="0"/>
-              <a:t> gebruiken, ermee schuiven en dan komt dit er uit. Uitleggen hoe het filter </a:t>
-            </a:r>
-            <a:r>
-              <a:rPr lang="nl-NL" dirty="0" err="1" smtClean="0"/>
-              <a:t>geimplementeerd</a:t>
-            </a:r>
-            <a:r>
-              <a:rPr lang="nl-NL" dirty="0" smtClean="0"/>
-              <a:t> is. </a:t>
-            </a:r>
-            <a:r>
-              <a:rPr lang="nl-NL" dirty="0" err="1" smtClean="0"/>
-              <a:t>Normalizeren</a:t>
-            </a:r>
-            <a:r>
-              <a:rPr lang="nl-NL" dirty="0" smtClean="0"/>
-              <a:t> van beeld</a:t>
-            </a:r>
-            <a:endParaRPr lang="nl-NL" b="1" dirty="0"/>
-          </a:p>
-        </p:txBody>
-      </p:sp>
-      <p:sp>
-        <p:nvSpPr>
-          <p:cNvPr id="8" name="Tekstvak 7"/>
-          <p:cNvSpPr txBox="1"/>
-          <p:nvPr/>
-        </p:nvSpPr>
-        <p:spPr>
-          <a:xfrm>
-            <a:off x="1067192" y="4077072"/>
-            <a:ext cx="2833152" cy="1200329"/>
-          </a:xfrm>
-          <a:prstGeom prst="rect">
-            <a:avLst/>
-          </a:prstGeom>
-          <a:noFill/>
-        </p:spPr>
-        <p:txBody>
-          <a:bodyPr wrap="square" rtlCol="0">
-            <a:spAutoFit/>
-          </a:bodyPr>
-          <a:lstStyle/>
-          <a:p>
-            <a:pPr algn="ctr"/>
-            <a:r>
-              <a:rPr lang="nl-NL" b="1" dirty="0" smtClean="0"/>
-              <a:t>GUI</a:t>
-            </a:r>
-            <a:br>
-              <a:rPr lang="nl-NL" b="1" dirty="0" smtClean="0"/>
-            </a:br>
-            <a:r>
-              <a:rPr lang="nl-NL" dirty="0" smtClean="0"/>
-              <a:t>Uitleggen wat de verschillende functies doen en wat je ziet. </a:t>
-            </a:r>
-            <a:endParaRPr lang="nl-NL" b="1" dirty="0"/>
-          </a:p>
-        </p:txBody>
-      </p:sp>
       <p:pic>
         <p:nvPicPr>
-          <p:cNvPr id="1027" name="Picture 3"/>
+          <p:cNvPr id="1028" name="Picture 4"/>
           <p:cNvPicPr>
             <a:picLocks noChangeAspect="1" noChangeArrowheads="1"/>
           </p:cNvPicPr>
           <p:nvPr/>
         </p:nvPicPr>
         <p:blipFill rotWithShape="1">
-          <a:blip r:embed="rId4">
+          <a:blip r:embed="rId4" cstate="print">
             <a:extLst>
               <a:ext uri="{28A0092B-C50C-407E-A947-70E740481C1C}">
                 <a14:useLocalDpi xmlns:a14="http://schemas.microsoft.com/office/drawing/2010/main" val="0"/>
               </a:ext>
             </a:extLst>
           </a:blip>
-          <a:srcRect l="37649" t="2930" r="5710" b="47461"/>
+          <a:srcRect l="187" t="1866" r="51328" b="20208"/>
           <a:stretch/>
         </p:blipFill>
         <p:spPr bwMode="auto">
           <a:xfrm>
-            <a:off x="4363119" y="4077072"/>
-            <a:ext cx="4464497" cy="2198439"/>
+            <a:off x="3249477" y="4801192"/>
+            <a:ext cx="4357096" cy="2155451"/>
           </a:xfrm>
           <a:prstGeom prst="rect">
             <a:avLst/>
@@ -3780,6 +3887,192 @@
           </a:extLst>
         </p:spPr>
       </p:pic>
+      <p:sp>
+        <p:nvSpPr>
+          <p:cNvPr id="5" name="Tekstvak 4"/>
+          <p:cNvSpPr txBox="1"/>
+          <p:nvPr/>
+        </p:nvSpPr>
+        <p:spPr>
+          <a:xfrm>
+            <a:off x="4755914" y="3021727"/>
+            <a:ext cx="4746208" cy="307777"/>
+          </a:xfrm>
+          <a:prstGeom prst="rect">
+            <a:avLst/>
+          </a:prstGeom>
+          <a:noFill/>
+        </p:spPr>
+        <p:txBody>
+          <a:bodyPr wrap="square" rtlCol="0">
+            <a:spAutoFit/>
+          </a:bodyPr>
+          <a:lstStyle/>
+          <a:p>
+            <a:r>
+              <a:rPr lang="nl-NL" sz="1400" i="1" dirty="0" smtClean="0"/>
+              <a:t>Afbeelding 1: de GUI</a:t>
+            </a:r>
+            <a:endParaRPr lang="nl-NL" i="1" dirty="0"/>
+          </a:p>
+        </p:txBody>
+      </p:sp>
+      <p:sp>
+        <p:nvSpPr>
+          <p:cNvPr id="13" name="Tekstvak 12"/>
+          <p:cNvSpPr txBox="1"/>
+          <p:nvPr/>
+        </p:nvSpPr>
+        <p:spPr>
+          <a:xfrm>
+            <a:off x="5182102" y="6150284"/>
+            <a:ext cx="4746208" cy="307777"/>
+          </a:xfrm>
+          <a:prstGeom prst="rect">
+            <a:avLst/>
+          </a:prstGeom>
+          <a:noFill/>
+        </p:spPr>
+        <p:txBody>
+          <a:bodyPr wrap="square" rtlCol="0">
+            <a:spAutoFit/>
+          </a:bodyPr>
+          <a:lstStyle/>
+          <a:p>
+            <a:r>
+              <a:rPr lang="nl-NL" sz="1400" i="1" dirty="0" smtClean="0"/>
+              <a:t>Afbeelding 2: </a:t>
+            </a:r>
+            <a:r>
+              <a:rPr lang="nl-NL" sz="1400" i="1" dirty="0" err="1" smtClean="0"/>
+              <a:t>ColorThresholder</a:t>
+            </a:r>
+            <a:endParaRPr lang="nl-NL" i="1" dirty="0"/>
+          </a:p>
+        </p:txBody>
+      </p:sp>
+      <p:cxnSp>
+        <p:nvCxnSpPr>
+          <p:cNvPr id="4" name="Rechte verbindingslijn met pijl 3"/>
+          <p:cNvCxnSpPr/>
+          <p:nvPr/>
+        </p:nvCxnSpPr>
+        <p:spPr>
+          <a:xfrm flipV="1">
+            <a:off x="6960154" y="2820724"/>
+            <a:ext cx="135608" cy="354892"/>
+          </a:xfrm>
+          <a:prstGeom prst="straightConnector1">
+            <a:avLst/>
+          </a:prstGeom>
+          <a:ln>
+            <a:tailEnd type="arrow"/>
+          </a:ln>
+        </p:spPr>
+        <p:style>
+          <a:lnRef idx="1">
+            <a:schemeClr val="accent1"/>
+          </a:lnRef>
+          <a:fillRef idx="0">
+            <a:schemeClr val="accent1"/>
+          </a:fillRef>
+          <a:effectRef idx="0">
+            <a:schemeClr val="accent1"/>
+          </a:effectRef>
+          <a:fontRef idx="minor">
+            <a:schemeClr val="tx1"/>
+          </a:fontRef>
+        </p:style>
+      </p:cxnSp>
+      <p:sp>
+        <p:nvSpPr>
+          <p:cNvPr id="9" name="Tekstvak 8"/>
+          <p:cNvSpPr txBox="1"/>
+          <p:nvPr/>
+        </p:nvSpPr>
+        <p:spPr>
+          <a:xfrm>
+            <a:off x="6523147" y="3175616"/>
+            <a:ext cx="874014" cy="461665"/>
+          </a:xfrm>
+          <a:prstGeom prst="rect">
+            <a:avLst/>
+          </a:prstGeom>
+          <a:noFill/>
+        </p:spPr>
+        <p:txBody>
+          <a:bodyPr wrap="square" rtlCol="0">
+            <a:spAutoFit/>
+          </a:bodyPr>
+          <a:lstStyle/>
+          <a:p>
+            <a:r>
+              <a:rPr lang="nl-NL" sz="1200" dirty="0" smtClean="0"/>
+              <a:t>Starten +pauzeren</a:t>
+            </a:r>
+            <a:endParaRPr lang="nl-NL" sz="1200" dirty="0"/>
+          </a:p>
+        </p:txBody>
+      </p:sp>
+      <p:cxnSp>
+        <p:nvCxnSpPr>
+          <p:cNvPr id="14" name="Rechte verbindingslijn met pijl 13"/>
+          <p:cNvCxnSpPr/>
+          <p:nvPr/>
+        </p:nvCxnSpPr>
+        <p:spPr>
+          <a:xfrm flipH="1" flipV="1">
+            <a:off x="7373651" y="2820724"/>
+            <a:ext cx="232922" cy="437006"/>
+          </a:xfrm>
+          <a:prstGeom prst="straightConnector1">
+            <a:avLst/>
+          </a:prstGeom>
+          <a:ln>
+            <a:tailEnd type="arrow"/>
+          </a:ln>
+        </p:spPr>
+        <p:style>
+          <a:lnRef idx="1">
+            <a:schemeClr val="accent1"/>
+          </a:lnRef>
+          <a:fillRef idx="0">
+            <a:schemeClr val="accent1"/>
+          </a:fillRef>
+          <a:effectRef idx="0">
+            <a:schemeClr val="accent1"/>
+          </a:effectRef>
+          <a:fontRef idx="minor">
+            <a:schemeClr val="tx1"/>
+          </a:fontRef>
+        </p:style>
+      </p:cxnSp>
+      <p:sp>
+        <p:nvSpPr>
+          <p:cNvPr id="16" name="Tekstvak 15"/>
+          <p:cNvSpPr txBox="1"/>
+          <p:nvPr/>
+        </p:nvSpPr>
+        <p:spPr>
+          <a:xfrm>
+            <a:off x="7380648" y="3329504"/>
+            <a:ext cx="874014" cy="276999"/>
+          </a:xfrm>
+          <a:prstGeom prst="rect">
+            <a:avLst/>
+          </a:prstGeom>
+          <a:noFill/>
+        </p:spPr>
+        <p:txBody>
+          <a:bodyPr wrap="square" rtlCol="0">
+            <a:spAutoFit/>
+          </a:bodyPr>
+          <a:lstStyle/>
+          <a:p>
+            <a:endParaRPr lang="nl-NL" sz="1200" dirty="0"/>
+          </a:p>
+        </p:txBody>
+      </p:sp>
     </p:spTree>
     <p:extLst>
       <p:ext uri="{BB962C8B-B14F-4D97-AF65-F5344CB8AC3E}">
@@ -3857,19 +4150,19 @@
           <a:p>
             <a:r>
               <a:rPr lang="nl-NL" dirty="0" smtClean="0"/>
-              <a:t>R 160-240</a:t>
+              <a:t>R 160-230</a:t>
             </a:r>
           </a:p>
           <a:p>
             <a:r>
               <a:rPr lang="nl-NL" dirty="0" smtClean="0"/>
-              <a:t>G 125-175</a:t>
+              <a:t>G 125-205</a:t>
             </a:r>
           </a:p>
           <a:p>
             <a:r>
               <a:rPr lang="nl-NL" dirty="0" smtClean="0"/>
-              <a:t>B 65- 110</a:t>
+              <a:t>B 60- 130</a:t>
             </a:r>
             <a:endParaRPr lang="nl-NL" dirty="0"/>
           </a:p>
@@ -3879,6 +4172,403 @@
     <p:extLst>
       <p:ext uri="{BB962C8B-B14F-4D97-AF65-F5344CB8AC3E}">
         <p14:creationId xmlns:p14="http://schemas.microsoft.com/office/powerpoint/2010/main" val="322679018"/>
+      </p:ext>
+    </p:extLst>
+  </p:cSld>
+  <p:clrMapOvr>
+    <a:masterClrMapping/>
+  </p:clrMapOvr>
+  <p:timing>
+    <p:tnLst>
+      <p:par>
+        <p:cTn id="1" dur="indefinite" restart="never" nodeType="tmRoot"/>
+      </p:par>
+    </p:tnLst>
+  </p:timing>
+</p:sld>
+</file>
+
+<file path=ppt/slides/slide3.xml><?xml version="1.0" encoding="utf-8"?>
+<p:sld xmlns:a="http://schemas.openxmlformats.org/drawingml/2006/main" xmlns:r="http://schemas.openxmlformats.org/officeDocument/2006/relationships" xmlns:p="http://schemas.openxmlformats.org/presentationml/2006/main">
+  <p:cSld>
+    <p:spTree>
+      <p:nvGrpSpPr>
+        <p:cNvPr id="1" name=""/>
+        <p:cNvGrpSpPr/>
+        <p:nvPr/>
+      </p:nvGrpSpPr>
+      <p:grpSpPr>
+        <a:xfrm>
+          <a:off x="0" y="0"/>
+          <a:ext cx="0" cy="0"/>
+          <a:chOff x="0" y="0"/>
+          <a:chExt cx="0" cy="0"/>
+        </a:xfrm>
+      </p:grpSpPr>
+      <p:sp>
+        <p:nvSpPr>
+          <p:cNvPr id="6" name="Tekstvak 5"/>
+          <p:cNvSpPr txBox="1"/>
+          <p:nvPr/>
+        </p:nvSpPr>
+        <p:spPr>
+          <a:xfrm>
+            <a:off x="145281" y="188640"/>
+            <a:ext cx="4591695" cy="2566568"/>
+          </a:xfrm>
+          <a:prstGeom prst="rect">
+            <a:avLst/>
+          </a:prstGeom>
+          <a:noFill/>
+        </p:spPr>
+        <p:txBody>
+          <a:bodyPr wrap="square" lIns="103345" tIns="51673" rIns="103345" bIns="51673" rtlCol="0">
+            <a:spAutoFit/>
+          </a:bodyPr>
+          <a:lstStyle/>
+          <a:p>
+            <a:r>
+              <a:rPr lang="nl-NL" sz="1600" b="1" dirty="0" smtClean="0"/>
+              <a:t>Introductie</a:t>
+            </a:r>
+            <a:endParaRPr lang="nl-NL" sz="1600" b="1" dirty="0"/>
+          </a:p>
+          <a:p>
+            <a:r>
+              <a:rPr lang="nl-NL" sz="1600" dirty="0" smtClean="0"/>
+              <a:t>Wij hebben de opdracht gekregen om </a:t>
+            </a:r>
+            <a:r>
+              <a:rPr lang="nl-NL" sz="1600" dirty="0" smtClean="0"/>
+              <a:t>met behulp van beeldverwerking een </a:t>
+            </a:r>
+            <a:r>
+              <a:rPr lang="nl-NL" sz="1600" dirty="0" smtClean="0"/>
+              <a:t>programma te maken dat kentekenplaatnummers herkent. Dit programma wordt gemaakt met </a:t>
+            </a:r>
+            <a:r>
+              <a:rPr lang="nl-NL" sz="1600" dirty="0" err="1" smtClean="0"/>
+              <a:t>matlab</a:t>
+            </a:r>
+            <a:r>
+              <a:rPr lang="nl-NL" sz="1600" dirty="0" smtClean="0"/>
+              <a:t> en zal o.a. gebruik maken van segmentatie</a:t>
+            </a:r>
+            <a:r>
+              <a:rPr lang="nl-NL" dirty="0" smtClean="0"/>
+              <a:t>. </a:t>
+            </a:r>
+          </a:p>
+          <a:p>
+            <a:endParaRPr lang="nl-NL" b="1" dirty="0"/>
+          </a:p>
+          <a:p>
+            <a:endParaRPr lang="nl-NL" b="1" dirty="0" smtClean="0"/>
+          </a:p>
+          <a:p>
+            <a:endParaRPr lang="nl-NL" b="1" dirty="0"/>
+          </a:p>
+        </p:txBody>
+      </p:sp>
+      <p:sp>
+        <p:nvSpPr>
+          <p:cNvPr id="7" name="Tekstvak 6"/>
+          <p:cNvSpPr txBox="1"/>
+          <p:nvPr/>
+        </p:nvSpPr>
+        <p:spPr>
+          <a:xfrm>
+            <a:off x="4805809" y="188640"/>
+            <a:ext cx="5070847" cy="3059010"/>
+          </a:xfrm>
+          <a:prstGeom prst="rect">
+            <a:avLst/>
+          </a:prstGeom>
+          <a:noFill/>
+        </p:spPr>
+        <p:txBody>
+          <a:bodyPr wrap="square" lIns="103345" tIns="51673" rIns="103345" bIns="51673" rtlCol="0">
+            <a:spAutoFit/>
+          </a:bodyPr>
+          <a:lstStyle/>
+          <a:p>
+            <a:r>
+              <a:rPr lang="nl-NL" sz="1600" b="1" dirty="0" smtClean="0"/>
+              <a:t>Segmentatie</a:t>
+            </a:r>
+            <a:br>
+              <a:rPr lang="nl-NL" sz="1600" b="1" dirty="0" smtClean="0"/>
+            </a:br>
+            <a:r>
+              <a:rPr lang="nl-NL" sz="1600" dirty="0" smtClean="0"/>
+              <a:t>Om te segmenteren hebben we </a:t>
+            </a:r>
+            <a:r>
+              <a:rPr lang="nl-NL" sz="1600" dirty="0" err="1" smtClean="0"/>
+              <a:t>ColorThresholder</a:t>
+            </a:r>
+            <a:r>
+              <a:rPr lang="nl-NL" sz="1600" dirty="0" smtClean="0"/>
+              <a:t> gebruikt. Dit </a:t>
+            </a:r>
+            <a:r>
+              <a:rPr lang="nl-NL" sz="1600" dirty="0" err="1" smtClean="0"/>
+              <a:t>command</a:t>
+            </a:r>
+            <a:r>
+              <a:rPr lang="nl-NL" sz="1600" dirty="0" smtClean="0"/>
+              <a:t> opent een nieuw scherm (zoals in afbeelding 2 te zien is) waarin je een plaatje kunt inlezen en dan kunt schuiven met de RGB waarden die je wilt laten zien. We begonnen met het inlezen van één frame om van daaruit het filter te maken maar dit werkte niet optimaal. We hebben er daarom voor gekozen om meerdere frames bij elkaar te plakken om zo beter te kunnen zien welke RGB waarden bij de gele nummerplaat horen. Het oorspronkelijke beeld (de frames dus) worden genormaliseerd zodat het filter optimaal werkt. </a:t>
+            </a:r>
+            <a:endParaRPr lang="nl-NL" sz="1600" b="1" dirty="0"/>
+          </a:p>
+        </p:txBody>
+      </p:sp>
+      <p:sp>
+        <p:nvSpPr>
+          <p:cNvPr id="8" name="Tekstvak 7"/>
+          <p:cNvSpPr txBox="1"/>
+          <p:nvPr/>
+        </p:nvSpPr>
+        <p:spPr>
+          <a:xfrm>
+            <a:off x="141677" y="1753319"/>
+            <a:ext cx="4375672" cy="2812789"/>
+          </a:xfrm>
+          <a:prstGeom prst="rect">
+            <a:avLst/>
+          </a:prstGeom>
+          <a:noFill/>
+        </p:spPr>
+        <p:txBody>
+          <a:bodyPr wrap="square" lIns="103345" tIns="51673" rIns="103345" bIns="51673" rtlCol="0">
+            <a:spAutoFit/>
+          </a:bodyPr>
+          <a:lstStyle/>
+          <a:p>
+            <a:r>
+              <a:rPr lang="nl-NL" sz="1600" b="1" dirty="0" smtClean="0"/>
+              <a:t>GUI</a:t>
+            </a:r>
+            <a:br>
+              <a:rPr lang="nl-NL" sz="1600" b="1" dirty="0" smtClean="0"/>
+            </a:br>
+            <a:r>
+              <a:rPr lang="nl-NL" sz="1600" dirty="0" smtClean="0"/>
+              <a:t>In afbeelding 1 is de GUI te zien. Je ziet dat er eigenlijk maar drie knoppen zijn die je kunt gebruiken. </a:t>
+            </a:r>
+            <a:r>
+              <a:rPr lang="nl-NL" sz="1600" dirty="0" smtClean="0"/>
+              <a:t>De L is de load knop om de video mee in te laden. Met S start en pauzeer je de video en met N ga je naar het volgende frame, dit is handig voor het debuggen. Links in het scherm is de video te zien, daarnaast is te zien hoe het gefilterde beeld eruit ziet. Helemaal rechts zullen de kentekens met hun frame nummer en tijd van herkennen getoond worden. </a:t>
+            </a:r>
+            <a:endParaRPr lang="nl-NL" sz="1600" b="1" dirty="0"/>
+          </a:p>
+        </p:txBody>
+      </p:sp>
+      <p:pic>
+        <p:nvPicPr>
+          <p:cNvPr id="2" name="Picture 2"/>
+          <p:cNvPicPr>
+            <a:picLocks noChangeAspect="1" noChangeArrowheads="1"/>
+          </p:cNvPicPr>
+          <p:nvPr/>
+        </p:nvPicPr>
+        <p:blipFill rotWithShape="1">
+          <a:blip r:embed="rId3">
+            <a:extLst>
+              <a:ext uri="{28A0092B-C50C-407E-A947-70E740481C1C}">
+                <a14:useLocalDpi xmlns:a14="http://schemas.microsoft.com/office/drawing/2010/main" val="0"/>
+              </a:ext>
+            </a:extLst>
+          </a:blip>
+          <a:srcRect l="18231" t="3951" r="54163" b="54302"/>
+          <a:stretch/>
+        </p:blipFill>
+        <p:spPr bwMode="auto">
+          <a:xfrm>
+            <a:off x="284747" y="4566108"/>
+            <a:ext cx="4746208" cy="1584176"/>
+          </a:xfrm>
+          <a:prstGeom prst="rect">
+            <a:avLst/>
+          </a:prstGeom>
+          <a:noFill/>
+          <a:ln>
+            <a:noFill/>
+          </a:ln>
+          <a:extLst>
+            <a:ext uri="{909E8E84-426E-40DD-AFC4-6F175D3DCCD1}">
+              <a14:hiddenFill xmlns:a14="http://schemas.microsoft.com/office/drawing/2010/main">
+                <a:solidFill>
+                  <a:schemeClr val="accent1"/>
+                </a:solidFill>
+              </a14:hiddenFill>
+            </a:ext>
+            <a:ext uri="{91240B29-F687-4F45-9708-019B960494DF}">
+              <a14:hiddenLine xmlns:a14="http://schemas.microsoft.com/office/drawing/2010/main" w="9525">
+                <a:solidFill>
+                  <a:schemeClr val="tx1"/>
+                </a:solidFill>
+                <a:miter lim="800000"/>
+                <a:headEnd/>
+                <a:tailEnd/>
+              </a14:hiddenLine>
+            </a:ext>
+          </a:extLst>
+        </p:spPr>
+      </p:pic>
+      <p:pic>
+        <p:nvPicPr>
+          <p:cNvPr id="1028" name="Picture 4"/>
+          <p:cNvPicPr>
+            <a:picLocks noChangeAspect="1" noChangeArrowheads="1"/>
+          </p:cNvPicPr>
+          <p:nvPr/>
+        </p:nvPicPr>
+        <p:blipFill rotWithShape="1">
+          <a:blip r:embed="rId4" cstate="print">
+            <a:extLst>
+              <a:ext uri="{28A0092B-C50C-407E-A947-70E740481C1C}">
+                <a14:useLocalDpi xmlns:a14="http://schemas.microsoft.com/office/drawing/2010/main" val="0"/>
+              </a:ext>
+            </a:extLst>
+          </a:blip>
+          <a:srcRect l="187" t="1866" r="51328" b="20208"/>
+          <a:stretch/>
+        </p:blipFill>
+        <p:spPr bwMode="auto">
+          <a:xfrm>
+            <a:off x="5162684" y="3985266"/>
+            <a:ext cx="4357096" cy="2155451"/>
+          </a:xfrm>
+          <a:prstGeom prst="rect">
+            <a:avLst/>
+          </a:prstGeom>
+          <a:noFill/>
+          <a:ln>
+            <a:noFill/>
+          </a:ln>
+          <a:extLst>
+            <a:ext uri="{909E8E84-426E-40DD-AFC4-6F175D3DCCD1}">
+              <a14:hiddenFill xmlns:a14="http://schemas.microsoft.com/office/drawing/2010/main">
+                <a:solidFill>
+                  <a:schemeClr val="accent1"/>
+                </a:solidFill>
+              </a14:hiddenFill>
+            </a:ext>
+            <a:ext uri="{91240B29-F687-4F45-9708-019B960494DF}">
+              <a14:hiddenLine xmlns:a14="http://schemas.microsoft.com/office/drawing/2010/main" w="9525">
+                <a:solidFill>
+                  <a:schemeClr val="tx1"/>
+                </a:solidFill>
+                <a:miter lim="800000"/>
+                <a:headEnd/>
+                <a:tailEnd/>
+              </a14:hiddenLine>
+            </a:ext>
+          </a:extLst>
+        </p:spPr>
+      </p:pic>
+      <p:sp>
+        <p:nvSpPr>
+          <p:cNvPr id="5" name="Tekstvak 4"/>
+          <p:cNvSpPr txBox="1"/>
+          <p:nvPr/>
+        </p:nvSpPr>
+        <p:spPr>
+          <a:xfrm>
+            <a:off x="295379" y="6140717"/>
+            <a:ext cx="4746208" cy="307777"/>
+          </a:xfrm>
+          <a:prstGeom prst="rect">
+            <a:avLst/>
+          </a:prstGeom>
+          <a:noFill/>
+        </p:spPr>
+        <p:txBody>
+          <a:bodyPr wrap="square" rtlCol="0">
+            <a:spAutoFit/>
+          </a:bodyPr>
+          <a:lstStyle/>
+          <a:p>
+            <a:r>
+              <a:rPr lang="nl-NL" sz="1400" i="1" dirty="0" smtClean="0"/>
+              <a:t>Afbeelding 1: de GUI</a:t>
+            </a:r>
+            <a:endParaRPr lang="nl-NL" i="1" dirty="0"/>
+          </a:p>
+        </p:txBody>
+      </p:sp>
+      <p:sp>
+        <p:nvSpPr>
+          <p:cNvPr id="13" name="Tekstvak 12"/>
+          <p:cNvSpPr txBox="1"/>
+          <p:nvPr/>
+        </p:nvSpPr>
+        <p:spPr>
+          <a:xfrm>
+            <a:off x="5182102" y="6150284"/>
+            <a:ext cx="4746208" cy="307777"/>
+          </a:xfrm>
+          <a:prstGeom prst="rect">
+            <a:avLst/>
+          </a:prstGeom>
+          <a:noFill/>
+        </p:spPr>
+        <p:txBody>
+          <a:bodyPr wrap="square" rtlCol="0">
+            <a:spAutoFit/>
+          </a:bodyPr>
+          <a:lstStyle/>
+          <a:p>
+            <a:r>
+              <a:rPr lang="nl-NL" sz="1400" i="1" dirty="0" smtClean="0"/>
+              <a:t>Afbeelding 2: </a:t>
+            </a:r>
+            <a:r>
+              <a:rPr lang="nl-NL" sz="1400" i="1" dirty="0" err="1" smtClean="0"/>
+              <a:t>ColorThresholder</a:t>
+            </a:r>
+            <a:endParaRPr lang="nl-NL" i="1" dirty="0"/>
+          </a:p>
+        </p:txBody>
+      </p:sp>
+      <p:cxnSp>
+        <p:nvCxnSpPr>
+          <p:cNvPr id="4" name="Rechte verbindingslijn met pijl 3"/>
+          <p:cNvCxnSpPr/>
+          <p:nvPr/>
+        </p:nvCxnSpPr>
+        <p:spPr>
+          <a:xfrm flipV="1">
+            <a:off x="2441128" y="5949280"/>
+            <a:ext cx="135608" cy="354892"/>
+          </a:xfrm>
+          <a:prstGeom prst="straightConnector1">
+            <a:avLst/>
+          </a:prstGeom>
+          <a:ln>
+            <a:tailEnd type="arrow"/>
+          </a:ln>
+        </p:spPr>
+        <p:style>
+          <a:lnRef idx="1">
+            <a:schemeClr val="accent1"/>
+          </a:lnRef>
+          <a:fillRef idx="0">
+            <a:schemeClr val="accent1"/>
+          </a:fillRef>
+          <a:effectRef idx="0">
+            <a:schemeClr val="accent1"/>
+          </a:effectRef>
+          <a:fontRef idx="minor">
+            <a:schemeClr val="tx1"/>
+          </a:fontRef>
+        </p:style>
+      </p:cxnSp>
+    </p:spTree>
+    <p:extLst>
+      <p:ext uri="{BB962C8B-B14F-4D97-AF65-F5344CB8AC3E}">
+        <p14:creationId xmlns:p14="http://schemas.microsoft.com/office/powerpoint/2010/main" val="1675602755"/>
       </p:ext>
     </p:extLst>
   </p:cSld>

--- a/Poster1.pptx
+++ b/Poster1.pptx
@@ -3636,8 +3636,8 @@
         </p:nvSpPr>
         <p:spPr>
           <a:xfrm>
-            <a:off x="145281" y="188640"/>
-            <a:ext cx="4591695" cy="2443457"/>
+            <a:off x="302948" y="188640"/>
+            <a:ext cx="4068405" cy="2566568"/>
           </a:xfrm>
           <a:prstGeom prst="rect">
             <a:avLst/>
@@ -3658,27 +3658,27 @@
           </a:p>
           <a:p>
             <a:r>
-              <a:rPr lang="nl-NL" sz="1400" dirty="0" smtClean="0"/>
+              <a:rPr lang="nl-NL" sz="1600" dirty="0" smtClean="0"/>
               <a:t>Wij hebben de opdracht gekregen om </a:t>
             </a:r>
             <a:r>
-              <a:rPr lang="nl-NL" sz="1400" dirty="0" smtClean="0"/>
+              <a:rPr lang="nl-NL" sz="1600" dirty="0" smtClean="0"/>
               <a:t>met behulp van beeldverwerking een </a:t>
             </a:r>
             <a:r>
-              <a:rPr lang="nl-NL" sz="1400" dirty="0" smtClean="0"/>
+              <a:rPr lang="nl-NL" sz="1600" dirty="0" smtClean="0"/>
               <a:t>programma te maken dat kentekenplaatnummers herkent. Dit programma wordt gemaakt met </a:t>
             </a:r>
             <a:r>
-              <a:rPr lang="nl-NL" sz="1400" dirty="0" err="1" smtClean="0"/>
+              <a:rPr lang="nl-NL" sz="1600" dirty="0" err="1" smtClean="0"/>
               <a:t>matlab</a:t>
             </a:r>
             <a:r>
-              <a:rPr lang="nl-NL" sz="1400" dirty="0" smtClean="0"/>
+              <a:rPr lang="nl-NL" sz="1600" dirty="0" smtClean="0"/>
               <a:t> en zal o.a. gebruik maken van segmentatie</a:t>
             </a:r>
             <a:r>
-              <a:rPr lang="nl-NL" sz="1800" dirty="0" smtClean="0"/>
+              <a:rPr lang="nl-NL" dirty="0" smtClean="0"/>
               <a:t>. </a:t>
             </a:r>
           </a:p>
@@ -3701,8 +3701,8 @@
         </p:nvSpPr>
         <p:spPr>
           <a:xfrm>
-            <a:off x="175765" y="2132856"/>
-            <a:ext cx="4417195" cy="2720456"/>
+            <a:off x="4215172" y="4133006"/>
+            <a:ext cx="4417195" cy="566020"/>
           </a:xfrm>
           <a:prstGeom prst="rect">
             <a:avLst/>
@@ -3724,23 +3724,7 @@
             </a:br>
             <a:r>
               <a:rPr lang="nl-NL" sz="1400" dirty="0" smtClean="0"/>
-              <a:t>Om te segmenteren hebben we </a:t>
-            </a:r>
-            <a:r>
-              <a:rPr lang="nl-NL" sz="1400" dirty="0" err="1" smtClean="0"/>
-              <a:t>ColorThresholder</a:t>
-            </a:r>
-            <a:r>
-              <a:rPr lang="nl-NL" sz="1400" dirty="0" smtClean="0"/>
-              <a:t> gebruikt. Dit </a:t>
-            </a:r>
-            <a:r>
-              <a:rPr lang="nl-NL" sz="1400" dirty="0" err="1" smtClean="0"/>
-              <a:t>command</a:t>
-            </a:r>
-            <a:r>
-              <a:rPr lang="nl-NL" sz="1400" dirty="0" smtClean="0"/>
-              <a:t> opent een nieuw scherm (zoals in afbeelding 2 te zien is) waarin je een plaatje kunt inlezen en dan kunt schuiven met de RGB waarden die je wilt laten zien. We begonnen met het inlezen van één frame om van daaruit het filter te maken maar dit werkte niet optimaal. We hebben er daarom voor gekozen om meerdere frames bij elkaar te plakken om zo beter te kunnen zien welke RGB waarden bij de gele nummerplaat horen. Het oorspronkelijke beeld (de frames dus) worden genormaliseerd zodat het filter optimaal werkt. </a:t>
+              <a:t>We segmenteren </a:t>
             </a:r>
             <a:endParaRPr lang="nl-NL" sz="1400" b="1" dirty="0"/>
           </a:p>
@@ -3835,9 +3819,252 @@
           </a:extLst>
         </p:spPr>
       </p:pic>
+      <p:sp>
+        <p:nvSpPr>
+          <p:cNvPr id="5" name="Tekstvak 4"/>
+          <p:cNvSpPr txBox="1"/>
+          <p:nvPr/>
+        </p:nvSpPr>
+        <p:spPr>
+          <a:xfrm>
+            <a:off x="4649724" y="2999922"/>
+            <a:ext cx="1455403" cy="523220"/>
+          </a:xfrm>
+          <a:prstGeom prst="rect">
+            <a:avLst/>
+          </a:prstGeom>
+          <a:noFill/>
+        </p:spPr>
+        <p:txBody>
+          <a:bodyPr wrap="square" rtlCol="0">
+            <a:spAutoFit/>
+          </a:bodyPr>
+          <a:lstStyle/>
+          <a:p>
+            <a:r>
+              <a:rPr lang="nl-NL" sz="1400" i="1" dirty="0" smtClean="0"/>
+              <a:t>Afbeelding 1: </a:t>
+            </a:r>
+            <a:r>
+              <a:rPr lang="nl-NL" sz="1400" i="1" dirty="0" smtClean="0"/>
+              <a:t/>
+            </a:r>
+            <a:br>
+              <a:rPr lang="nl-NL" sz="1400" i="1" dirty="0" smtClean="0"/>
+            </a:br>
+            <a:r>
+              <a:rPr lang="nl-NL" sz="1400" i="1" dirty="0" smtClean="0"/>
+              <a:t>de </a:t>
+            </a:r>
+            <a:r>
+              <a:rPr lang="nl-NL" sz="1400" i="1" dirty="0" smtClean="0"/>
+              <a:t>GUI</a:t>
+            </a:r>
+            <a:endParaRPr lang="nl-NL" i="1" dirty="0"/>
+          </a:p>
+        </p:txBody>
+      </p:sp>
+      <p:sp>
+        <p:nvSpPr>
+          <p:cNvPr id="13" name="Tekstvak 12"/>
+          <p:cNvSpPr txBox="1"/>
+          <p:nvPr/>
+        </p:nvSpPr>
+        <p:spPr>
+          <a:xfrm>
+            <a:off x="390200" y="5589240"/>
+            <a:ext cx="4746208" cy="523220"/>
+          </a:xfrm>
+          <a:prstGeom prst="rect">
+            <a:avLst/>
+          </a:prstGeom>
+          <a:noFill/>
+        </p:spPr>
+        <p:txBody>
+          <a:bodyPr wrap="square" rtlCol="0">
+            <a:spAutoFit/>
+          </a:bodyPr>
+          <a:lstStyle/>
+          <a:p>
+            <a:r>
+              <a:rPr lang="nl-NL" sz="1400" i="1" dirty="0" smtClean="0"/>
+              <a:t>Afbeelding 2: </a:t>
+            </a:r>
+            <a:br>
+              <a:rPr lang="nl-NL" sz="1400" i="1" dirty="0" smtClean="0"/>
+            </a:br>
+            <a:r>
+              <a:rPr lang="nl-NL" sz="1400" i="1" dirty="0" err="1" smtClean="0"/>
+              <a:t>ColorThresholder</a:t>
+            </a:r>
+            <a:endParaRPr lang="nl-NL" i="1" dirty="0"/>
+          </a:p>
+        </p:txBody>
+      </p:sp>
+      <p:cxnSp>
+        <p:nvCxnSpPr>
+          <p:cNvPr id="4" name="Rechte verbindingslijn met pijl 3"/>
+          <p:cNvCxnSpPr/>
+          <p:nvPr/>
+        </p:nvCxnSpPr>
+        <p:spPr>
+          <a:xfrm flipV="1">
+            <a:off x="6892350" y="2820724"/>
+            <a:ext cx="135608" cy="354892"/>
+          </a:xfrm>
+          <a:prstGeom prst="straightConnector1">
+            <a:avLst/>
+          </a:prstGeom>
+          <a:ln>
+            <a:tailEnd type="arrow"/>
+          </a:ln>
+        </p:spPr>
+        <p:style>
+          <a:lnRef idx="1">
+            <a:schemeClr val="accent1"/>
+          </a:lnRef>
+          <a:fillRef idx="0">
+            <a:schemeClr val="accent1"/>
+          </a:fillRef>
+          <a:effectRef idx="0">
+            <a:schemeClr val="accent1"/>
+          </a:effectRef>
+          <a:fontRef idx="minor">
+            <a:schemeClr val="tx1"/>
+          </a:fontRef>
+        </p:style>
+      </p:cxnSp>
+      <p:sp>
+        <p:nvSpPr>
+          <p:cNvPr id="9" name="Tekstvak 8"/>
+          <p:cNvSpPr txBox="1"/>
+          <p:nvPr/>
+        </p:nvSpPr>
+        <p:spPr>
+          <a:xfrm>
+            <a:off x="6403851" y="3199172"/>
+            <a:ext cx="874014" cy="461665"/>
+          </a:xfrm>
+          <a:prstGeom prst="rect">
+            <a:avLst/>
+          </a:prstGeom>
+          <a:noFill/>
+        </p:spPr>
+        <p:txBody>
+          <a:bodyPr wrap="square" rtlCol="0">
+            <a:spAutoFit/>
+          </a:bodyPr>
+          <a:lstStyle/>
+          <a:p>
+            <a:pPr algn="ctr"/>
+            <a:r>
+              <a:rPr lang="nl-NL" sz="1200" dirty="0" smtClean="0"/>
+              <a:t>Starten +pauzeren</a:t>
+            </a:r>
+            <a:endParaRPr lang="nl-NL" sz="1200" dirty="0"/>
+          </a:p>
+        </p:txBody>
+      </p:sp>
+      <p:cxnSp>
+        <p:nvCxnSpPr>
+          <p:cNvPr id="14" name="Rechte verbindingslijn met pijl 13"/>
+          <p:cNvCxnSpPr/>
+          <p:nvPr/>
+        </p:nvCxnSpPr>
+        <p:spPr>
+          <a:xfrm flipH="1" flipV="1">
+            <a:off x="7337230" y="2832742"/>
+            <a:ext cx="136050" cy="399920"/>
+          </a:xfrm>
+          <a:prstGeom prst="straightConnector1">
+            <a:avLst/>
+          </a:prstGeom>
+          <a:ln>
+            <a:tailEnd type="arrow"/>
+          </a:ln>
+        </p:spPr>
+        <p:style>
+          <a:lnRef idx="1">
+            <a:schemeClr val="accent1"/>
+          </a:lnRef>
+          <a:fillRef idx="0">
+            <a:schemeClr val="accent1"/>
+          </a:fillRef>
+          <a:effectRef idx="0">
+            <a:schemeClr val="accent1"/>
+          </a:effectRef>
+          <a:fontRef idx="minor">
+            <a:schemeClr val="tx1"/>
+          </a:fontRef>
+        </p:style>
+      </p:cxnSp>
+      <p:sp>
+        <p:nvSpPr>
+          <p:cNvPr id="17" name="Tekstvak 16"/>
+          <p:cNvSpPr txBox="1"/>
+          <p:nvPr/>
+        </p:nvSpPr>
+        <p:spPr>
+          <a:xfrm>
+            <a:off x="7129018" y="3215687"/>
+            <a:ext cx="874014" cy="461665"/>
+          </a:xfrm>
+          <a:prstGeom prst="rect">
+            <a:avLst/>
+          </a:prstGeom>
+          <a:noFill/>
+        </p:spPr>
+        <p:txBody>
+          <a:bodyPr wrap="square" rtlCol="0">
+            <a:spAutoFit/>
+          </a:bodyPr>
+          <a:lstStyle/>
+          <a:p>
+            <a:pPr algn="ctr"/>
+            <a:r>
+              <a:rPr lang="nl-NL" sz="1200" dirty="0" smtClean="0"/>
+              <a:t>Next Frame</a:t>
+            </a:r>
+            <a:endParaRPr lang="nl-NL" sz="1200" dirty="0"/>
+          </a:p>
+        </p:txBody>
+      </p:sp>
+      <p:cxnSp>
+        <p:nvCxnSpPr>
+          <p:cNvPr id="19" name="Rechte verbindingslijn met pijl 18"/>
+          <p:cNvCxnSpPr/>
+          <p:nvPr/>
+        </p:nvCxnSpPr>
+        <p:spPr>
+          <a:xfrm flipH="1" flipV="1">
+            <a:off x="7714872" y="2844282"/>
+            <a:ext cx="288160" cy="388380"/>
+          </a:xfrm>
+          <a:prstGeom prst="straightConnector1">
+            <a:avLst/>
+          </a:prstGeom>
+          <a:ln>
+            <a:tailEnd type="arrow"/>
+          </a:ln>
+        </p:spPr>
+        <p:style>
+          <a:lnRef idx="1">
+            <a:schemeClr val="accent1"/>
+          </a:lnRef>
+          <a:fillRef idx="0">
+            <a:schemeClr val="accent1"/>
+          </a:fillRef>
+          <a:effectRef idx="0">
+            <a:schemeClr val="accent1"/>
+          </a:effectRef>
+          <a:fontRef idx="minor">
+            <a:schemeClr val="tx1"/>
+          </a:fontRef>
+        </p:style>
+      </p:cxnSp>
       <p:pic>
         <p:nvPicPr>
-          <p:cNvPr id="1028" name="Picture 4"/>
+          <p:cNvPr id="1026" name="Picture 2"/>
           <p:cNvPicPr>
             <a:picLocks noChangeAspect="1" noChangeArrowheads="1"/>
           </p:cNvPicPr>
@@ -3851,13 +4078,13 @@
               </a:ext>
             </a:extLst>
           </a:blip>
-          <a:srcRect l="187" t="1866" r="51328" b="20208"/>
+          <a:srcRect l="4015" t="3968" r="3507" b="4808"/>
           <a:stretch/>
         </p:blipFill>
         <p:spPr bwMode="auto">
           <a:xfrm>
-            <a:off x="3249477" y="4801192"/>
-            <a:ext cx="4357096" cy="2155451"/>
+            <a:off x="390200" y="3409300"/>
+            <a:ext cx="3630374" cy="2013431"/>
           </a:xfrm>
           <a:prstGeom prst="rect">
             <a:avLst/>
@@ -3889,14 +4116,14 @@
       </p:pic>
       <p:sp>
         <p:nvSpPr>
-          <p:cNvPr id="5" name="Tekstvak 4"/>
+          <p:cNvPr id="23" name="Tekstvak 22"/>
           <p:cNvSpPr txBox="1"/>
           <p:nvPr/>
         </p:nvSpPr>
         <p:spPr>
           <a:xfrm>
-            <a:off x="4755914" y="3021727"/>
-            <a:ext cx="4746208" cy="307777"/>
+            <a:off x="7780808" y="3232662"/>
+            <a:ext cx="874014" cy="461665"/>
           </a:xfrm>
           <a:prstGeom prst="rect">
             <a:avLst/>
@@ -3909,58 +4136,25 @@
           </a:bodyPr>
           <a:lstStyle/>
           <a:p>
-            <a:r>
-              <a:rPr lang="nl-NL" sz="1400" i="1" dirty="0" smtClean="0"/>
-              <a:t>Afbeelding 1: de GUI</a:t>
-            </a:r>
-            <a:endParaRPr lang="nl-NL" i="1" dirty="0"/>
-          </a:p>
-        </p:txBody>
-      </p:sp>
-      <p:sp>
-        <p:nvSpPr>
-          <p:cNvPr id="13" name="Tekstvak 12"/>
-          <p:cNvSpPr txBox="1"/>
-          <p:nvPr/>
-        </p:nvSpPr>
-        <p:spPr>
-          <a:xfrm>
-            <a:off x="5182102" y="6150284"/>
-            <a:ext cx="4746208" cy="307777"/>
-          </a:xfrm>
-          <a:prstGeom prst="rect">
-            <a:avLst/>
-          </a:prstGeom>
-          <a:noFill/>
-        </p:spPr>
-        <p:txBody>
-          <a:bodyPr wrap="square" rtlCol="0">
-            <a:spAutoFit/>
-          </a:bodyPr>
-          <a:lstStyle/>
-          <a:p>
-            <a:r>
-              <a:rPr lang="nl-NL" sz="1400" i="1" dirty="0" smtClean="0"/>
-              <a:t>Afbeelding 2: </a:t>
-            </a:r>
-            <a:r>
-              <a:rPr lang="nl-NL" sz="1400" i="1" dirty="0" err="1" smtClean="0"/>
-              <a:t>ColorThresholder</a:t>
-            </a:r>
-            <a:endParaRPr lang="nl-NL" i="1" dirty="0"/>
+            <a:pPr algn="ctr"/>
+            <a:r>
+              <a:rPr lang="nl-NL" sz="1200" dirty="0" smtClean="0"/>
+              <a:t>Load a video</a:t>
+            </a:r>
+            <a:endParaRPr lang="nl-NL" sz="1200" dirty="0"/>
           </a:p>
         </p:txBody>
       </p:sp>
       <p:cxnSp>
         <p:nvCxnSpPr>
-          <p:cNvPr id="4" name="Rechte verbindingslijn met pijl 3"/>
+          <p:cNvPr id="27" name="Rechte verbindingslijn met pijl 26"/>
           <p:cNvCxnSpPr/>
           <p:nvPr/>
         </p:nvCxnSpPr>
         <p:spPr>
           <a:xfrm flipV="1">
-            <a:off x="6960154" y="2820724"/>
-            <a:ext cx="135608" cy="354892"/>
+            <a:off x="4020574" y="2206082"/>
+            <a:ext cx="701558" cy="132322"/>
           </a:xfrm>
           <a:prstGeom prst="straightConnector1">
             <a:avLst/>
@@ -3986,14 +4180,14 @@
       </p:cxnSp>
       <p:sp>
         <p:nvSpPr>
-          <p:cNvPr id="9" name="Tekstvak 8"/>
+          <p:cNvPr id="29" name="Tekstvak 28"/>
           <p:cNvSpPr txBox="1"/>
           <p:nvPr/>
         </p:nvSpPr>
         <p:spPr>
           <a:xfrm>
-            <a:off x="6523147" y="3175616"/>
-            <a:ext cx="874014" cy="461665"/>
+            <a:off x="3220725" y="2356792"/>
+            <a:ext cx="1009842" cy="307777"/>
           </a:xfrm>
           <a:prstGeom prst="rect">
             <a:avLst/>
@@ -4007,23 +4201,23 @@
           <a:lstStyle/>
           <a:p>
             <a:r>
-              <a:rPr lang="nl-NL" sz="1200" dirty="0" smtClean="0"/>
-              <a:t>Starten +pauzeren</a:t>
-            </a:r>
-            <a:endParaRPr lang="nl-NL" sz="1200" dirty="0"/>
+              <a:rPr lang="nl-NL" sz="1400" i="1" dirty="0" smtClean="0"/>
+              <a:t>The video</a:t>
+            </a:r>
+            <a:endParaRPr lang="nl-NL" sz="1400" i="1" dirty="0"/>
           </a:p>
         </p:txBody>
       </p:sp>
       <p:cxnSp>
         <p:nvCxnSpPr>
-          <p:cNvPr id="14" name="Rechte verbindingslijn met pijl 13"/>
+          <p:cNvPr id="30" name="Rechte verbindingslijn met pijl 29"/>
           <p:cNvCxnSpPr/>
           <p:nvPr/>
         </p:nvCxnSpPr>
         <p:spPr>
-          <a:xfrm flipH="1" flipV="1">
-            <a:off x="7373651" y="2820724"/>
-            <a:ext cx="232922" cy="437006"/>
+          <a:xfrm>
+            <a:off x="6892350" y="1268760"/>
+            <a:ext cx="458621" cy="288032"/>
           </a:xfrm>
           <a:prstGeom prst="straightConnector1">
             <a:avLst/>
@@ -4049,14 +4243,14 @@
       </p:cxnSp>
       <p:sp>
         <p:nvSpPr>
-          <p:cNvPr id="16" name="Tekstvak 15"/>
+          <p:cNvPr id="32" name="Tekstvak 31"/>
           <p:cNvSpPr txBox="1"/>
           <p:nvPr/>
         </p:nvSpPr>
         <p:spPr>
           <a:xfrm>
-            <a:off x="7380648" y="3329504"/>
-            <a:ext cx="874014" cy="276999"/>
+            <a:off x="5995679" y="1053815"/>
+            <a:ext cx="2637214" cy="307777"/>
           </a:xfrm>
           <a:prstGeom prst="rect">
             <a:avLst/>
@@ -4069,10 +4263,286 @@
           </a:bodyPr>
           <a:lstStyle/>
           <a:p>
+            <a:r>
+              <a:rPr lang="nl-NL" sz="1400" i="1" dirty="0" err="1" smtClean="0"/>
+              <a:t>Segmented</a:t>
+            </a:r>
+            <a:r>
+              <a:rPr lang="nl-NL" sz="1400" i="1" dirty="0" smtClean="0"/>
+              <a:t> frame( </a:t>
+            </a:r>
+            <a:r>
+              <a:rPr lang="nl-NL" sz="1400" i="1" dirty="0" err="1" smtClean="0"/>
+              <a:t>for</a:t>
+            </a:r>
+            <a:r>
+              <a:rPr lang="nl-NL" sz="1400" i="1" dirty="0" smtClean="0"/>
+              <a:t> </a:t>
+            </a:r>
+            <a:r>
+              <a:rPr lang="nl-NL" sz="1400" i="1" dirty="0" err="1" smtClean="0"/>
+              <a:t>debugging</a:t>
+            </a:r>
+            <a:r>
+              <a:rPr lang="nl-NL" sz="1400" i="1" dirty="0" smtClean="0"/>
+              <a:t>)</a:t>
+            </a:r>
+            <a:endParaRPr lang="nl-NL" sz="1400" i="1" dirty="0"/>
+          </a:p>
+        </p:txBody>
+      </p:sp>
+      <p:sp>
+        <p:nvSpPr>
+          <p:cNvPr id="33" name="Tekstvak 32"/>
+          <p:cNvSpPr txBox="1"/>
+          <p:nvPr/>
+        </p:nvSpPr>
+        <p:spPr>
+          <a:xfrm>
+            <a:off x="8599249" y="3215687"/>
+            <a:ext cx="1046760" cy="1200329"/>
+          </a:xfrm>
+          <a:prstGeom prst="rect">
+            <a:avLst/>
+          </a:prstGeom>
+          <a:noFill/>
+        </p:spPr>
+        <p:txBody>
+          <a:bodyPr wrap="square" rtlCol="0">
+            <a:spAutoFit/>
+          </a:bodyPr>
+          <a:lstStyle/>
+          <a:p>
+            <a:pPr algn="ctr"/>
+            <a:r>
+              <a:rPr lang="nl-NL" sz="1200" dirty="0" err="1" smtClean="0"/>
+              <a:t>Table</a:t>
+            </a:r>
+            <a:r>
+              <a:rPr lang="nl-NL" sz="1200" dirty="0" smtClean="0"/>
+              <a:t> </a:t>
+            </a:r>
+            <a:r>
+              <a:rPr lang="nl-NL" sz="1200" dirty="0" err="1" smtClean="0"/>
+              <a:t>with</a:t>
+            </a:r>
+            <a:r>
+              <a:rPr lang="nl-NL" sz="1200" dirty="0" smtClean="0"/>
+              <a:t> </a:t>
+            </a:r>
+            <a:r>
+              <a:rPr lang="nl-NL" sz="1200" dirty="0" err="1" smtClean="0"/>
+              <a:t>the</a:t>
+            </a:r>
+            <a:r>
+              <a:rPr lang="nl-NL" sz="1200" dirty="0"/>
+              <a:t> </a:t>
+            </a:r>
+            <a:r>
+              <a:rPr lang="nl-NL" sz="1200" dirty="0" err="1" smtClean="0"/>
+              <a:t>plates</a:t>
+            </a:r>
+            <a:r>
+              <a:rPr lang="nl-NL" sz="1200" dirty="0" smtClean="0"/>
+              <a:t>, frame </a:t>
+            </a:r>
+            <a:r>
+              <a:rPr lang="nl-NL" sz="1200" dirty="0" err="1" smtClean="0"/>
+              <a:t>number</a:t>
+            </a:r>
+            <a:r>
+              <a:rPr lang="nl-NL" sz="1200" dirty="0" smtClean="0"/>
+              <a:t> </a:t>
+            </a:r>
+            <a:r>
+              <a:rPr lang="nl-NL" sz="1200" dirty="0" err="1" smtClean="0"/>
+              <a:t>and</a:t>
+            </a:r>
+            <a:r>
+              <a:rPr lang="nl-NL" sz="1200" dirty="0" smtClean="0"/>
+              <a:t> time of </a:t>
+            </a:r>
+            <a:r>
+              <a:rPr lang="nl-NL" sz="1200" dirty="0" err="1" smtClean="0"/>
+              <a:t>recognition</a:t>
+            </a:r>
             <a:endParaRPr lang="nl-NL" sz="1200" dirty="0"/>
           </a:p>
         </p:txBody>
       </p:sp>
+      <p:cxnSp>
+        <p:nvCxnSpPr>
+          <p:cNvPr id="34" name="Rechte verbindingslijn met pijl 33"/>
+          <p:cNvCxnSpPr>
+            <a:stCxn id="33" idx="0"/>
+          </p:cNvCxnSpPr>
+          <p:nvPr/>
+        </p:nvCxnSpPr>
+        <p:spPr>
+          <a:xfrm flipH="1" flipV="1">
+            <a:off x="8841368" y="2305586"/>
+            <a:ext cx="281261" cy="910101"/>
+          </a:xfrm>
+          <a:prstGeom prst="straightConnector1">
+            <a:avLst/>
+          </a:prstGeom>
+          <a:ln>
+            <a:tailEnd type="arrow"/>
+          </a:ln>
+        </p:spPr>
+        <p:style>
+          <a:lnRef idx="1">
+            <a:schemeClr val="accent1"/>
+          </a:lnRef>
+          <a:fillRef idx="0">
+            <a:schemeClr val="accent1"/>
+          </a:fillRef>
+          <a:effectRef idx="0">
+            <a:schemeClr val="accent1"/>
+          </a:effectRef>
+          <a:fontRef idx="minor">
+            <a:schemeClr val="tx1"/>
+          </a:fontRef>
+        </p:style>
+      </p:cxnSp>
+      <p:cxnSp>
+        <p:nvCxnSpPr>
+          <p:cNvPr id="38" name="Rechte verbindingslijn met pijl 37"/>
+          <p:cNvCxnSpPr>
+            <a:stCxn id="41" idx="2"/>
+          </p:cNvCxnSpPr>
+          <p:nvPr/>
+        </p:nvCxnSpPr>
+        <p:spPr>
+          <a:xfrm>
+            <a:off x="989440" y="3043905"/>
+            <a:ext cx="291152" cy="889151"/>
+          </a:xfrm>
+          <a:prstGeom prst="straightConnector1">
+            <a:avLst/>
+          </a:prstGeom>
+          <a:ln>
+            <a:tailEnd type="arrow"/>
+          </a:ln>
+        </p:spPr>
+        <p:style>
+          <a:lnRef idx="1">
+            <a:schemeClr val="accent1"/>
+          </a:lnRef>
+          <a:fillRef idx="0">
+            <a:schemeClr val="accent1"/>
+          </a:fillRef>
+          <a:effectRef idx="0">
+            <a:schemeClr val="accent1"/>
+          </a:effectRef>
+          <a:fontRef idx="minor">
+            <a:schemeClr val="tx1"/>
+          </a:fontRef>
+        </p:style>
+      </p:cxnSp>
+      <p:sp>
+        <p:nvSpPr>
+          <p:cNvPr id="41" name="Tekstvak 40"/>
+          <p:cNvSpPr txBox="1"/>
+          <p:nvPr/>
+        </p:nvSpPr>
+        <p:spPr>
+          <a:xfrm>
+            <a:off x="194231" y="2736128"/>
+            <a:ext cx="1590418" cy="307777"/>
+          </a:xfrm>
+          <a:prstGeom prst="rect">
+            <a:avLst/>
+          </a:prstGeom>
+          <a:noFill/>
+        </p:spPr>
+        <p:txBody>
+          <a:bodyPr wrap="square" rtlCol="0">
+            <a:spAutoFit/>
+          </a:bodyPr>
+          <a:lstStyle/>
+          <a:p>
+            <a:r>
+              <a:rPr lang="nl-NL" sz="1400" i="1" dirty="0" err="1" smtClean="0"/>
+              <a:t>Normalized</a:t>
+            </a:r>
+            <a:r>
+              <a:rPr lang="nl-NL" sz="1400" i="1" dirty="0" smtClean="0"/>
+              <a:t> frame</a:t>
+            </a:r>
+            <a:endParaRPr lang="nl-NL" i="1" dirty="0"/>
+          </a:p>
+        </p:txBody>
+      </p:sp>
+      <p:sp>
+        <p:nvSpPr>
+          <p:cNvPr id="44" name="Tekstvak 43"/>
+          <p:cNvSpPr txBox="1"/>
+          <p:nvPr/>
+        </p:nvSpPr>
+        <p:spPr>
+          <a:xfrm>
+            <a:off x="2286916" y="2755208"/>
+            <a:ext cx="1225924" cy="307777"/>
+          </a:xfrm>
+          <a:prstGeom prst="rect">
+            <a:avLst/>
+          </a:prstGeom>
+          <a:noFill/>
+        </p:spPr>
+        <p:txBody>
+          <a:bodyPr wrap="square" rtlCol="0">
+            <a:spAutoFit/>
+          </a:bodyPr>
+          <a:lstStyle/>
+          <a:p>
+            <a:r>
+              <a:rPr lang="nl-NL" sz="1400" i="1" dirty="0" smtClean="0"/>
+              <a:t>RGB </a:t>
+            </a:r>
+            <a:r>
+              <a:rPr lang="nl-NL" sz="1400" i="1" dirty="0" err="1" smtClean="0"/>
+              <a:t>values</a:t>
+            </a:r>
+            <a:endParaRPr lang="nl-NL" i="1" dirty="0"/>
+          </a:p>
+        </p:txBody>
+      </p:sp>
+      <p:cxnSp>
+        <p:nvCxnSpPr>
+          <p:cNvPr id="45" name="Rechte verbindingslijn met pijl 44"/>
+          <p:cNvCxnSpPr>
+            <a:stCxn id="44" idx="2"/>
+          </p:cNvCxnSpPr>
+          <p:nvPr/>
+        </p:nvCxnSpPr>
+        <p:spPr>
+          <a:xfrm>
+            <a:off x="2899878" y="3062985"/>
+            <a:ext cx="378057" cy="752866"/>
+          </a:xfrm>
+          <a:prstGeom prst="straightConnector1">
+            <a:avLst/>
+          </a:prstGeom>
+          <a:ln>
+            <a:tailEnd type="arrow"/>
+          </a:ln>
+        </p:spPr>
+        <p:style>
+          <a:lnRef idx="1">
+            <a:schemeClr val="accent1"/>
+          </a:lnRef>
+          <a:fillRef idx="0">
+            <a:schemeClr val="accent1"/>
+          </a:fillRef>
+          <a:effectRef idx="0">
+            <a:schemeClr val="accent1"/>
+          </a:effectRef>
+          <a:fontRef idx="minor">
+            <a:schemeClr val="tx1"/>
+          </a:fontRef>
+        </p:style>
+      </p:cxnSp>
     </p:spTree>
     <p:extLst>
       <p:ext uri="{BB962C8B-B14F-4D97-AF65-F5344CB8AC3E}">

--- a/Poster1.pptx
+++ b/Poster1.pptx
@@ -533,95 +533,6 @@
             <a:fld id="{6D49DA66-E541-4EFD-9DEB-09AABE473E57}" type="slidenum">
               <a:rPr lang="nl-NL" smtClean="0"/>
               <a:t>1</a:t>
-            </a:fld>
-            <a:endParaRPr lang="nl-NL"/>
-          </a:p>
-        </p:txBody>
-      </p:sp>
-    </p:spTree>
-    <p:extLst>
-      <p:ext uri="{BB962C8B-B14F-4D97-AF65-F5344CB8AC3E}">
-        <p14:creationId xmlns:p14="http://schemas.microsoft.com/office/powerpoint/2010/main" val="3868179667"/>
-      </p:ext>
-    </p:extLst>
-  </p:cSld>
-  <p:clrMapOvr>
-    <a:masterClrMapping/>
-  </p:clrMapOvr>
-</p:notes>
-</file>
-
-<file path=ppt/notesSlides/notesSlide2.xml><?xml version="1.0" encoding="utf-8"?>
-<p:notes xmlns:a="http://schemas.openxmlformats.org/drawingml/2006/main" xmlns:r="http://schemas.openxmlformats.org/officeDocument/2006/relationships" xmlns:p="http://schemas.openxmlformats.org/presentationml/2006/main">
-  <p:cSld>
-    <p:spTree>
-      <p:nvGrpSpPr>
-        <p:cNvPr id="1" name=""/>
-        <p:cNvGrpSpPr/>
-        <p:nvPr/>
-      </p:nvGrpSpPr>
-      <p:grpSpPr>
-        <a:xfrm>
-          <a:off x="0" y="0"/>
-          <a:ext cx="0" cy="0"/>
-          <a:chOff x="0" y="0"/>
-          <a:chExt cx="0" cy="0"/>
-        </a:xfrm>
-      </p:grpSpPr>
-      <p:sp>
-        <p:nvSpPr>
-          <p:cNvPr id="2" name="Tijdelijke aanduiding voor dia-afbeelding 1"/>
-          <p:cNvSpPr>
-            <a:spLocks noGrp="1" noRot="1" noChangeAspect="1"/>
-          </p:cNvSpPr>
-          <p:nvPr>
-            <p:ph type="sldImg"/>
-          </p:nvPr>
-        </p:nvSpPr>
-        <p:spPr>
-          <a:xfrm>
-            <a:off x="2714625" y="514350"/>
-            <a:ext cx="3714750" cy="2571750"/>
-          </a:xfrm>
-        </p:spPr>
-      </p:sp>
-      <p:sp>
-        <p:nvSpPr>
-          <p:cNvPr id="3" name="Tijdelijke aanduiding voor notities 2"/>
-          <p:cNvSpPr>
-            <a:spLocks noGrp="1"/>
-          </p:cNvSpPr>
-          <p:nvPr>
-            <p:ph type="body" idx="1"/>
-          </p:nvPr>
-        </p:nvSpPr>
-        <p:spPr/>
-        <p:txBody>
-          <a:bodyPr/>
-          <a:lstStyle/>
-          <a:p>
-            <a:endParaRPr lang="nl-NL" dirty="0"/>
-          </a:p>
-        </p:txBody>
-      </p:sp>
-      <p:sp>
-        <p:nvSpPr>
-          <p:cNvPr id="4" name="Tijdelijke aanduiding voor dianummer 3"/>
-          <p:cNvSpPr>
-            <a:spLocks noGrp="1"/>
-          </p:cNvSpPr>
-          <p:nvPr>
-            <p:ph type="sldNum" sz="quarter" idx="10"/>
-          </p:nvPr>
-        </p:nvSpPr>
-        <p:spPr/>
-        <p:txBody>
-          <a:bodyPr/>
-          <a:lstStyle/>
-          <a:p>
-            <a:fld id="{6D49DA66-E541-4EFD-9DEB-09AABE473E57}" type="slidenum">
-              <a:rPr lang="nl-NL" smtClean="0"/>
-              <a:t>3</a:t>
             </a:fld>
             <a:endParaRPr lang="nl-NL"/>
           </a:p>
@@ -3701,8 +3612,8 @@
         </p:nvSpPr>
         <p:spPr>
           <a:xfrm>
-            <a:off x="4215172" y="4133006"/>
-            <a:ext cx="4417195" cy="566020"/>
+            <a:off x="4215173" y="4133006"/>
+            <a:ext cx="4194212" cy="996907"/>
           </a:xfrm>
           <a:prstGeom prst="rect">
             <a:avLst/>
@@ -3724,7 +3635,15 @@
             </a:br>
             <a:r>
               <a:rPr lang="nl-NL" sz="1400" dirty="0" smtClean="0"/>
-              <a:t>We segmenteren </a:t>
+              <a:t>We creëren een gesegmenteerd beeld . We doen dit </a:t>
+            </a:r>
+            <a:r>
+              <a:rPr lang="nl-NL" sz="1400" dirty="0" err="1" smtClean="0"/>
+              <a:t>dmv</a:t>
+            </a:r>
+            <a:r>
+              <a:rPr lang="nl-NL" sz="1400" dirty="0" smtClean="0"/>
+              <a:t> een genormaliseerd beeld. We zien zo waar de kentekenplaten zich bevinden in het frame. </a:t>
             </a:r>
             <a:endParaRPr lang="nl-NL" sz="1400" b="1" dirty="0"/>
           </a:p>
@@ -4677,368 +4596,52 @@
       </p:grpSpPr>
       <p:sp>
         <p:nvSpPr>
-          <p:cNvPr id="6" name="Tekstvak 5"/>
-          <p:cNvSpPr txBox="1"/>
-          <p:nvPr/>
-        </p:nvSpPr>
-        <p:spPr>
-          <a:xfrm>
-            <a:off x="145281" y="188640"/>
-            <a:ext cx="4591695" cy="2566568"/>
-          </a:xfrm>
-          <a:prstGeom prst="rect">
-            <a:avLst/>
-          </a:prstGeom>
-          <a:noFill/>
-        </p:spPr>
-        <p:txBody>
-          <a:bodyPr wrap="square" lIns="103345" tIns="51673" rIns="103345" bIns="51673" rtlCol="0">
-            <a:spAutoFit/>
+          <p:cNvPr id="2" name="Titel 1"/>
+          <p:cNvSpPr>
+            <a:spLocks noGrp="1"/>
+          </p:cNvSpPr>
+          <p:nvPr>
+            <p:ph type="title"/>
+          </p:nvPr>
+        </p:nvSpPr>
+        <p:spPr/>
+        <p:txBody>
+          <a:bodyPr>
+            <a:normAutofit/>
           </a:bodyPr>
           <a:lstStyle/>
           <a:p>
             <a:r>
-              <a:rPr lang="nl-NL" sz="1600" b="1" dirty="0" smtClean="0"/>
-              <a:t>Introductie</a:t>
-            </a:r>
-            <a:endParaRPr lang="nl-NL" sz="1600" b="1" dirty="0"/>
-          </a:p>
-          <a:p>
-            <a:r>
-              <a:rPr lang="nl-NL" sz="1600" dirty="0" smtClean="0"/>
-              <a:t>Wij hebben de opdracht gekregen om </a:t>
-            </a:r>
-            <a:r>
-              <a:rPr lang="nl-NL" sz="1600" dirty="0" smtClean="0"/>
-              <a:t>met behulp van beeldverwerking een </a:t>
-            </a:r>
-            <a:r>
-              <a:rPr lang="nl-NL" sz="1600" dirty="0" smtClean="0"/>
-              <a:t>programma te maken dat kentekenplaatnummers herkent. Dit programma wordt gemaakt met </a:t>
-            </a:r>
-            <a:r>
-              <a:rPr lang="nl-NL" sz="1600" dirty="0" err="1" smtClean="0"/>
-              <a:t>matlab</a:t>
-            </a:r>
-            <a:r>
-              <a:rPr lang="nl-NL" sz="1600" dirty="0" smtClean="0"/>
-              <a:t> en zal o.a. gebruik maken van segmentatie</a:t>
-            </a:r>
-            <a:r>
               <a:rPr lang="nl-NL" dirty="0" smtClean="0"/>
-              <a:t>. </a:t>
-            </a:r>
-          </a:p>
-          <a:p>
-            <a:endParaRPr lang="nl-NL" b="1" dirty="0"/>
-          </a:p>
-          <a:p>
-            <a:endParaRPr lang="nl-NL" b="1" dirty="0" smtClean="0"/>
-          </a:p>
-          <a:p>
-            <a:endParaRPr lang="nl-NL" b="1" dirty="0"/>
-          </a:p>
-        </p:txBody>
-      </p:sp>
-      <p:sp>
-        <p:nvSpPr>
-          <p:cNvPr id="7" name="Tekstvak 6"/>
-          <p:cNvSpPr txBox="1"/>
-          <p:nvPr/>
-        </p:nvSpPr>
-        <p:spPr>
-          <a:xfrm>
-            <a:off x="4805809" y="188640"/>
-            <a:ext cx="5070847" cy="3059010"/>
-          </a:xfrm>
-          <a:prstGeom prst="rect">
-            <a:avLst/>
-          </a:prstGeom>
-          <a:noFill/>
-        </p:spPr>
-        <p:txBody>
-          <a:bodyPr wrap="square" lIns="103345" tIns="51673" rIns="103345" bIns="51673" rtlCol="0">
-            <a:spAutoFit/>
-          </a:bodyPr>
-          <a:lstStyle/>
-          <a:p>
-            <a:r>
-              <a:rPr lang="nl-NL" sz="1600" b="1" dirty="0" smtClean="0"/>
-              <a:t>Segmentatie</a:t>
-            </a:r>
-            <a:br>
-              <a:rPr lang="nl-NL" sz="1600" b="1" dirty="0" smtClean="0"/>
-            </a:br>
-            <a:r>
-              <a:rPr lang="nl-NL" sz="1600" dirty="0" smtClean="0"/>
-              <a:t>Om te segmenteren hebben we </a:t>
-            </a:r>
-            <a:r>
-              <a:rPr lang="nl-NL" sz="1600" dirty="0" err="1" smtClean="0"/>
-              <a:t>ColorThresholder</a:t>
-            </a:r>
-            <a:r>
-              <a:rPr lang="nl-NL" sz="1600" dirty="0" smtClean="0"/>
-              <a:t> gebruikt. Dit </a:t>
-            </a:r>
-            <a:r>
-              <a:rPr lang="nl-NL" sz="1600" dirty="0" err="1" smtClean="0"/>
-              <a:t>command</a:t>
-            </a:r>
-            <a:r>
-              <a:rPr lang="nl-NL" sz="1600" dirty="0" smtClean="0"/>
-              <a:t> opent een nieuw scherm (zoals in afbeelding 2 te zien is) waarin je een plaatje kunt inlezen en dan kunt schuiven met de RGB waarden die je wilt laten zien. We begonnen met het inlezen van één frame om van daaruit het filter te maken maar dit werkte niet optimaal. We hebben er daarom voor gekozen om meerdere frames bij elkaar te plakken om zo beter te kunnen zien welke RGB waarden bij de gele nummerplaat horen. Het oorspronkelijke beeld (de frames dus) worden genormaliseerd zodat het filter optimaal werkt. </a:t>
-            </a:r>
-            <a:endParaRPr lang="nl-NL" sz="1600" b="1" dirty="0"/>
-          </a:p>
-        </p:txBody>
-      </p:sp>
-      <p:sp>
-        <p:nvSpPr>
-          <p:cNvPr id="8" name="Tekstvak 7"/>
-          <p:cNvSpPr txBox="1"/>
-          <p:nvPr/>
-        </p:nvSpPr>
-        <p:spPr>
-          <a:xfrm>
-            <a:off x="141677" y="1753319"/>
-            <a:ext cx="4375672" cy="2812789"/>
-          </a:xfrm>
-          <a:prstGeom prst="rect">
-            <a:avLst/>
-          </a:prstGeom>
-          <a:noFill/>
-        </p:spPr>
-        <p:txBody>
-          <a:bodyPr wrap="square" lIns="103345" tIns="51673" rIns="103345" bIns="51673" rtlCol="0">
-            <a:spAutoFit/>
-          </a:bodyPr>
-          <a:lstStyle/>
-          <a:p>
-            <a:r>
-              <a:rPr lang="nl-NL" sz="1600" b="1" dirty="0" smtClean="0"/>
-              <a:t>GUI</a:t>
-            </a:r>
-            <a:br>
-              <a:rPr lang="nl-NL" sz="1600" b="1" dirty="0" smtClean="0"/>
-            </a:br>
-            <a:r>
-              <a:rPr lang="nl-NL" sz="1600" dirty="0" smtClean="0"/>
-              <a:t>In afbeelding 1 is de GUI te zien. Je ziet dat er eigenlijk maar drie knoppen zijn die je kunt gebruiken. </a:t>
-            </a:r>
-            <a:r>
-              <a:rPr lang="nl-NL" sz="1600" dirty="0" smtClean="0"/>
-              <a:t>De L is de load knop om de video mee in te laden. Met S start en pauzeer je de video en met N ga je naar het volgende frame, dit is handig voor het debuggen. Links in het scherm is de video te zien, daarnaast is te zien hoe het gefilterde beeld eruit ziet. Helemaal rechts zullen de kentekens met hun frame nummer en tijd van herkennen getoond worden. </a:t>
-            </a:r>
-            <a:endParaRPr lang="nl-NL" sz="1600" b="1" dirty="0"/>
-          </a:p>
-        </p:txBody>
-      </p:sp>
-      <p:pic>
-        <p:nvPicPr>
-          <p:cNvPr id="2" name="Picture 2"/>
-          <p:cNvPicPr>
-            <a:picLocks noChangeAspect="1" noChangeArrowheads="1"/>
-          </p:cNvPicPr>
-          <p:nvPr/>
-        </p:nvPicPr>
-        <p:blipFill rotWithShape="1">
-          <a:blip r:embed="rId3">
-            <a:extLst>
-              <a:ext uri="{28A0092B-C50C-407E-A947-70E740481C1C}">
-                <a14:useLocalDpi xmlns:a14="http://schemas.microsoft.com/office/drawing/2010/main" val="0"/>
-              </a:ext>
-            </a:extLst>
-          </a:blip>
-          <a:srcRect l="18231" t="3951" r="54163" b="54302"/>
-          <a:stretch/>
-        </p:blipFill>
-        <p:spPr bwMode="auto">
-          <a:xfrm>
-            <a:off x="284747" y="4566108"/>
-            <a:ext cx="4746208" cy="1584176"/>
-          </a:xfrm>
-          <a:prstGeom prst="rect">
-            <a:avLst/>
-          </a:prstGeom>
-          <a:noFill/>
-          <a:ln>
-            <a:noFill/>
-          </a:ln>
-          <a:extLst>
-            <a:ext uri="{909E8E84-426E-40DD-AFC4-6F175D3DCCD1}">
-              <a14:hiddenFill xmlns:a14="http://schemas.microsoft.com/office/drawing/2010/main">
-                <a:solidFill>
-                  <a:schemeClr val="accent1"/>
-                </a:solidFill>
-              </a14:hiddenFill>
-            </a:ext>
-            <a:ext uri="{91240B29-F687-4F45-9708-019B960494DF}">
-              <a14:hiddenLine xmlns:a14="http://schemas.microsoft.com/office/drawing/2010/main" w="9525">
-                <a:solidFill>
-                  <a:schemeClr val="tx1"/>
-                </a:solidFill>
-                <a:miter lim="800000"/>
-                <a:headEnd/>
-                <a:tailEnd/>
-              </a14:hiddenLine>
-            </a:ext>
-          </a:extLst>
-        </p:spPr>
-      </p:pic>
-      <p:pic>
-        <p:nvPicPr>
-          <p:cNvPr id="1028" name="Picture 4"/>
-          <p:cNvPicPr>
-            <a:picLocks noChangeAspect="1" noChangeArrowheads="1"/>
-          </p:cNvPicPr>
-          <p:nvPr/>
-        </p:nvPicPr>
-        <p:blipFill rotWithShape="1">
-          <a:blip r:embed="rId4" cstate="print">
-            <a:extLst>
-              <a:ext uri="{28A0092B-C50C-407E-A947-70E740481C1C}">
-                <a14:useLocalDpi xmlns:a14="http://schemas.microsoft.com/office/drawing/2010/main" val="0"/>
-              </a:ext>
-            </a:extLst>
-          </a:blip>
-          <a:srcRect l="187" t="1866" r="51328" b="20208"/>
-          <a:stretch/>
-        </p:blipFill>
-        <p:spPr bwMode="auto">
-          <a:xfrm>
-            <a:off x="5162684" y="3985266"/>
-            <a:ext cx="4357096" cy="2155451"/>
-          </a:xfrm>
-          <a:prstGeom prst="rect">
-            <a:avLst/>
-          </a:prstGeom>
-          <a:noFill/>
-          <a:ln>
-            <a:noFill/>
-          </a:ln>
-          <a:extLst>
-            <a:ext uri="{909E8E84-426E-40DD-AFC4-6F175D3DCCD1}">
-              <a14:hiddenFill xmlns:a14="http://schemas.microsoft.com/office/drawing/2010/main">
-                <a:solidFill>
-                  <a:schemeClr val="accent1"/>
-                </a:solidFill>
-              </a14:hiddenFill>
-            </a:ext>
-            <a:ext uri="{91240B29-F687-4F45-9708-019B960494DF}">
-              <a14:hiddenLine xmlns:a14="http://schemas.microsoft.com/office/drawing/2010/main" w="9525">
-                <a:solidFill>
-                  <a:schemeClr val="tx1"/>
-                </a:solidFill>
-                <a:miter lim="800000"/>
-                <a:headEnd/>
-                <a:tailEnd/>
-              </a14:hiddenLine>
-            </a:ext>
-          </a:extLst>
-        </p:spPr>
-      </p:pic>
-      <p:sp>
-        <p:nvSpPr>
-          <p:cNvPr id="5" name="Tekstvak 4"/>
-          <p:cNvSpPr txBox="1"/>
-          <p:nvPr/>
-        </p:nvSpPr>
-        <p:spPr>
-          <a:xfrm>
-            <a:off x="295379" y="6140717"/>
-            <a:ext cx="4746208" cy="307777"/>
-          </a:xfrm>
-          <a:prstGeom prst="rect">
-            <a:avLst/>
-          </a:prstGeom>
-          <a:noFill/>
-        </p:spPr>
-        <p:txBody>
-          <a:bodyPr wrap="square" rtlCol="0">
-            <a:spAutoFit/>
-          </a:bodyPr>
-          <a:lstStyle/>
-          <a:p>
-            <a:r>
-              <a:rPr lang="nl-NL" sz="1400" i="1" dirty="0" smtClean="0"/>
-              <a:t>Afbeelding 1: de GUI</a:t>
-            </a:r>
-            <a:endParaRPr lang="nl-NL" i="1" dirty="0"/>
-          </a:p>
-        </p:txBody>
-      </p:sp>
-      <p:sp>
-        <p:nvSpPr>
-          <p:cNvPr id="13" name="Tekstvak 12"/>
-          <p:cNvSpPr txBox="1"/>
-          <p:nvPr/>
-        </p:nvSpPr>
-        <p:spPr>
-          <a:xfrm>
-            <a:off x="5182102" y="6150284"/>
-            <a:ext cx="4746208" cy="307777"/>
-          </a:xfrm>
-          <a:prstGeom prst="rect">
-            <a:avLst/>
-          </a:prstGeom>
-          <a:noFill/>
-        </p:spPr>
-        <p:txBody>
-          <a:bodyPr wrap="square" rtlCol="0">
-            <a:spAutoFit/>
-          </a:bodyPr>
-          <a:lstStyle/>
-          <a:p>
-            <a:r>
-              <a:rPr lang="nl-NL" sz="1400" i="1" dirty="0" smtClean="0"/>
-              <a:t>Afbeelding 2: </a:t>
-            </a:r>
-            <a:r>
-              <a:rPr lang="nl-NL" sz="1400" i="1" dirty="0" err="1" smtClean="0"/>
-              <a:t>ColorThresholder</a:t>
-            </a:r>
-            <a:endParaRPr lang="nl-NL" i="1" dirty="0"/>
-          </a:p>
-        </p:txBody>
-      </p:sp>
-      <p:cxnSp>
-        <p:nvCxnSpPr>
-          <p:cNvPr id="4" name="Rechte verbindingslijn met pijl 3"/>
-          <p:cNvCxnSpPr/>
-          <p:nvPr/>
-        </p:nvCxnSpPr>
-        <p:spPr>
-          <a:xfrm flipV="1">
-            <a:off x="2441128" y="5949280"/>
-            <a:ext cx="135608" cy="354892"/>
-          </a:xfrm>
-          <a:prstGeom prst="straightConnector1">
-            <a:avLst/>
-          </a:prstGeom>
-          <a:ln>
-            <a:tailEnd type="arrow"/>
-          </a:ln>
-        </p:spPr>
-        <p:style>
-          <a:lnRef idx="1">
-            <a:schemeClr val="accent1"/>
-          </a:lnRef>
-          <a:fillRef idx="0">
-            <a:schemeClr val="accent1"/>
-          </a:fillRef>
-          <a:effectRef idx="0">
-            <a:schemeClr val="accent1"/>
-          </a:effectRef>
-          <a:fontRef idx="minor">
-            <a:schemeClr val="tx1"/>
-          </a:fontRef>
-        </p:style>
-      </p:cxnSp>
+              <a:t>Kentekens</a:t>
+            </a:r>
+            <a:endParaRPr lang="nl-NL" dirty="0"/>
+          </a:p>
+        </p:txBody>
+      </p:sp>
+      <p:sp>
+        <p:nvSpPr>
+          <p:cNvPr id="3" name="Tijdelijke aanduiding voor inhoud 2"/>
+          <p:cNvSpPr>
+            <a:spLocks noGrp="1"/>
+          </p:cNvSpPr>
+          <p:nvPr>
+            <p:ph idx="1"/>
+          </p:nvPr>
+        </p:nvSpPr>
+        <p:spPr/>
+        <p:txBody>
+          <a:bodyPr/>
+          <a:lstStyle/>
+          <a:p>
+            <a:endParaRPr lang="nl-NL" dirty="0"/>
+          </a:p>
+        </p:txBody>
+      </p:sp>
     </p:spTree>
     <p:extLst>
       <p:ext uri="{BB962C8B-B14F-4D97-AF65-F5344CB8AC3E}">
-        <p14:creationId xmlns:p14="http://schemas.microsoft.com/office/powerpoint/2010/main" val="1675602755"/>
+        <p14:creationId xmlns:p14="http://schemas.microsoft.com/office/powerpoint/2010/main" val="2185736131"/>
       </p:ext>
     </p:extLst>
   </p:cSld>
